--- a/01.Introduction to the Day/Introduction to the Day.pptx
+++ b/01.Introduction to the Day/Introduction to the Day.pptx
@@ -200,7 +200,7 @@
       </p14:sectionLst>
     </p:ext>
     <p:ext uri="{EFAFB233-063F-42B5-8137-9DF3F51BA10A}">
-      <p15:sldGuideLst xmlns:p15="http://schemas.microsoft.com/office/powerpoint/2012/main" xmlns="">
+      <p15:sldGuideLst xmlns:p15="http://schemas.microsoft.com/office/powerpoint/2012/main">
         <p15:guide id="1" orient="horz" pos="142">
           <p15:clr>
             <a:srgbClr val="A4A3A4"/>
@@ -299,7 +299,7 @@
       </p15:sldGuideLst>
     </p:ext>
     <p:ext uri="{2D200454-40CA-4A62-9FC3-DE9A4176ACB9}">
-      <p15:notesGuideLst xmlns:p15="http://schemas.microsoft.com/office/powerpoint/2012/main" xmlns="">
+      <p15:notesGuideLst xmlns:p15="http://schemas.microsoft.com/office/powerpoint/2012/main">
         <p15:guide id="1" orient="horz" pos="2880">
           <p15:clr>
             <a:srgbClr val="A4A3A4"/>
@@ -402,7 +402,7 @@
           <a:p>
             <a:fld id="{DE219B1A-AE41-483B-A766-69B9363DDA6A}" type="datetimeFigureOut">
               <a:rPr lang="en-US" smtClean="0"/>
-              <a:t>9/10/14</a:t>
+              <a:t>10/24/2014</a:t>
             </a:fld>
             <a:endParaRPr lang="en-US"/>
           </a:p>
@@ -684,7 +684,7 @@
           <a:p>
             <a:fld id="{D51B1278-D92B-4AF3-A9C1-71DD298190CE}" type="datetimeFigureOut">
               <a:rPr lang="en-US" smtClean="0"/>
-              <a:t>9/10/14</a:t>
+              <a:t>10/24/2014</a:t>
             </a:fld>
             <a:endParaRPr lang="en-US"/>
           </a:p>
@@ -1398,7 +1398,7 @@
                 </a:solidFill>
               </a:rPr>
               <a:pPr/>
-              <a:t>9/10/14</a:t>
+              <a:t>10/24/2014</a:t>
             </a:fld>
             <a:endParaRPr lang="en-US">
               <a:solidFill>
@@ -1630,7 +1630,7 @@
           <a:p>
             <a:fld id="{D31E4894-7650-4412-ACB8-29465F440D88}" type="datetime1">
               <a:rPr lang="en-US" smtClean="0"/>
-              <a:t>9/10/14</a:t>
+              <a:t>10/24/2014</a:t>
             </a:fld>
             <a:endParaRPr lang="en-US" dirty="0"/>
           </a:p>
@@ -1866,7 +1866,7 @@
                 </a:solidFill>
               </a:rPr>
               <a:pPr/>
-              <a:t>9/10/14</a:t>
+              <a:t>10/24/2014</a:t>
             </a:fld>
             <a:endParaRPr lang="en-US">
               <a:solidFill>
@@ -2098,7 +2098,7 @@
           <a:p>
             <a:fld id="{13E92F52-F2C6-4745-BBDE-E5EE0DA70D4E}" type="datetime1">
               <a:rPr lang="en-US" smtClean="0"/>
-              <a:t>9/10/14</a:t>
+              <a:t>10/24/2014</a:t>
             </a:fld>
             <a:endParaRPr lang="en-US" dirty="0"/>
           </a:p>
@@ -2240,7 +2240,7 @@
           <a:p>
             <a:fld id="{D51B1278-D92B-4AF3-A9C1-71DD298190CE}" type="datetimeFigureOut">
               <a:rPr lang="en-US" smtClean="0"/>
-              <a:t>9/10/14</a:t>
+              <a:t>10/24/2014</a:t>
             </a:fld>
             <a:endParaRPr lang="en-US"/>
           </a:p>
@@ -2462,7 +2462,7 @@
           <a:p>
             <a:fld id="{D51B1278-D92B-4AF3-A9C1-71DD298190CE}" type="datetimeFigureOut">
               <a:rPr lang="en-US" smtClean="0"/>
-              <a:t>9/10/14</a:t>
+              <a:t>10/24/2014</a:t>
             </a:fld>
             <a:endParaRPr lang="en-US"/>
           </a:p>
@@ -2699,7 +2699,7 @@
           <a:p>
             <a:fld id="{DBC13BCB-57C4-454F-8C02-26BDCE1A7007}" type="datetime1">
               <a:rPr lang="en-US" smtClean="0"/>
-              <a:t>9/10/14</a:t>
+              <a:t>10/24/2014</a:t>
             </a:fld>
             <a:endParaRPr lang="en-US"/>
           </a:p>
@@ -2939,7 +2939,7 @@
           <a:p>
             <a:fld id="{4158D9CF-52ED-4C2B-9870-3BEFB23E0EBC}" type="datetime1">
               <a:rPr lang="en-US" smtClean="0"/>
-              <a:t>9/10/14</a:t>
+              <a:t>10/24/2014</a:t>
             </a:fld>
             <a:endParaRPr lang="en-US" dirty="0"/>
           </a:p>
@@ -3109,7 +3109,7 @@
           <a:p>
             <a:fld id="{D51B1278-D92B-4AF3-A9C1-71DD298190CE}" type="datetimeFigureOut">
               <a:rPr lang="en-US" smtClean="0"/>
-              <a:t>9/10/14</a:t>
+              <a:t>10/24/2014</a:t>
             </a:fld>
             <a:endParaRPr lang="en-US"/>
           </a:p>
@@ -3363,7 +3363,7 @@
           <a:p>
             <a:fld id="{D51B1278-D92B-4AF3-A9C1-71DD298190CE}" type="datetimeFigureOut">
               <a:rPr lang="en-US" smtClean="0"/>
-              <a:t>9/10/14</a:t>
+              <a:t>10/24/2014</a:t>
             </a:fld>
             <a:endParaRPr lang="en-US"/>
           </a:p>
@@ -3628,7 +3628,7 @@
           <a:p>
             <a:fld id="{B079C3B8-7366-4A44-A34B-3977080C19E7}" type="datetime1">
               <a:rPr lang="en-US" smtClean="0"/>
-              <a:t>9/10/14</a:t>
+              <a:t>10/24/2014</a:t>
             </a:fld>
             <a:endParaRPr lang="en-US" dirty="0"/>
           </a:p>
@@ -3767,11 +3767,7 @@
           <a:p>
             <a:r>
               <a:rPr lang="en-US" dirty="0" smtClean="0"/>
-              <a:t>This demo shows the final solution built in module 4.</a:t>
-            </a:r>
-            <a:r>
-              <a:rPr lang="en-US" dirty="0" smtClean="0"/>
-              <a:t> </a:t>
+              <a:t>This demo shows the final solution built in module 4. </a:t>
             </a:r>
           </a:p>
           <a:p>
@@ -3807,7 +3803,7 @@
           <a:p>
             <a:fld id="{D51B1278-D92B-4AF3-A9C1-71DD298190CE}" type="datetimeFigureOut">
               <a:rPr lang="en-US" smtClean="0"/>
-              <a:t>9/10/14</a:t>
+              <a:t>10/24/2014</a:t>
             </a:fld>
             <a:endParaRPr lang="en-US"/>
           </a:p>
@@ -4057,7 +4053,7 @@
           <a:p>
             <a:fld id="{D51B1278-D92B-4AF3-A9C1-71DD298190CE}" type="datetimeFigureOut">
               <a:rPr lang="en-US" smtClean="0"/>
-              <a:t>9/10/14</a:t>
+              <a:t>10/24/2014</a:t>
             </a:fld>
             <a:endParaRPr lang="en-US"/>
           </a:p>
@@ -4322,7 +4318,7 @@
           <a:p>
             <a:fld id="{B079C3B8-7366-4A44-A34B-3977080C19E7}" type="datetime1">
               <a:rPr lang="en-US" smtClean="0"/>
-              <a:t>9/10/14</a:t>
+              <a:t>10/24/2014</a:t>
             </a:fld>
             <a:endParaRPr lang="en-US" dirty="0"/>
           </a:p>
@@ -4569,7 +4565,7 @@
           <a:p>
             <a:fld id="{0BB6559B-C68D-49B4-97AE-9BB74C417927}" type="datetime1">
               <a:rPr lang="en-US" smtClean="0"/>
-              <a:t>9/10/14</a:t>
+              <a:t>10/24/2014</a:t>
             </a:fld>
             <a:endParaRPr lang="en-US"/>
           </a:p>
@@ -4803,7 +4799,7 @@
           <a:p>
             <a:fld id="{3DE98D88-4B2E-4AAB-9ECA-CFD46E198059}" type="datetime1">
               <a:rPr lang="en-US" smtClean="0"/>
-              <a:t>9/10/14</a:t>
+              <a:t>10/24/2014</a:t>
             </a:fld>
             <a:endParaRPr lang="en-US" dirty="0"/>
           </a:p>
@@ -5129,7 +5125,7 @@
           <a:p>
             <a:fld id="{D51B1278-D92B-4AF3-A9C1-71DD298190CE}" type="datetimeFigureOut">
               <a:rPr lang="en-US" smtClean="0"/>
-              <a:t>9/10/14</a:t>
+              <a:t>10/24/2014</a:t>
             </a:fld>
             <a:endParaRPr lang="en-US"/>
           </a:p>
@@ -5357,15 +5353,7 @@
             </a:r>
             <a:r>
               <a:rPr lang="en-US" baseline="0" noProof="0" dirty="0" smtClean="0"/>
-              <a:t> server – so that development </a:t>
-            </a:r>
-            <a:r>
-              <a:rPr lang="en-US" baseline="0" noProof="0" dirty="0" smtClean="0"/>
-              <a:t>occurs against </a:t>
-            </a:r>
-            <a:r>
-              <a:rPr lang="en-US" baseline="0" noProof="0" dirty="0" smtClean="0"/>
-              <a:t>that instance</a:t>
+              <a:t> server – so that development occurs against that instance</a:t>
             </a:r>
           </a:p>
           <a:p>
@@ -5382,15 +5370,7 @@
             </a:r>
             <a:r>
               <a:rPr lang="en-US" baseline="0" noProof="0" dirty="0" smtClean="0"/>
-              <a:t>, you can do development </a:t>
-            </a:r>
-            <a:r>
-              <a:rPr lang="en-US" baseline="0" noProof="0" dirty="0" smtClean="0"/>
-              <a:t>against </a:t>
-            </a:r>
-            <a:r>
-              <a:rPr lang="en-US" baseline="0" noProof="0" dirty="0" smtClean="0"/>
-              <a:t>shared on-premises instance – most likely you’d dedicate site collection per developer for testing usage</a:t>
+              <a:t>, you can do development against shared on-premises instance – most likely you’d dedicate site collection per developer for testing usage</a:t>
             </a:r>
           </a:p>
           <a:p>
@@ -5399,15 +5379,7 @@
             </a:pPr>
             <a:r>
               <a:rPr lang="en-US" baseline="0" noProof="0" dirty="0" smtClean="0"/>
-              <a:t>TFS – could be on</a:t>
-            </a:r>
-            <a:r>
-              <a:rPr lang="en-US" baseline="0" noProof="0" dirty="0" smtClean="0"/>
-              <a:t>-premises, </a:t>
-            </a:r>
-            <a:r>
-              <a:rPr lang="en-US" baseline="0" noProof="0" dirty="0" smtClean="0"/>
-              <a:t>hosted in </a:t>
+              <a:t>TFS – could be on-premises, hosted in </a:t>
             </a:r>
             <a:r>
               <a:rPr lang="en-US" baseline="0" noProof="0" dirty="0" err="1" smtClean="0"/>
@@ -5791,7 +5763,7 @@
                 </a:solidFill>
               </a:rPr>
               <a:pPr/>
-              <a:t>9/10/14</a:t>
+              <a:t>10/24/2014</a:t>
             </a:fld>
             <a:endParaRPr lang="en-US">
               <a:solidFill>
@@ -6032,7 +6004,7 @@
           <a:p>
             <a:fld id="{3B7A2A12-E0E2-4D2C-A6ED-C38FD9033759}" type="datetime1">
               <a:rPr lang="en-US" smtClean="0"/>
-              <a:t>9/10/14</a:t>
+              <a:t>10/24/2014</a:t>
             </a:fld>
             <a:endParaRPr lang="en-US" dirty="0"/>
           </a:p>
@@ -6251,7 +6223,7 @@
   <p:timing>
     <p:tnLst>
       <p:par>
-        <p:cTn xmlns:p14="http://schemas.microsoft.com/office/powerpoint/2010/main" id="1" dur="indefinite" restart="never" nodeType="tmRoot"/>
+        <p:cTn id="1" dur="indefinite" restart="never" nodeType="tmRoot"/>
       </p:par>
     </p:tnLst>
   </p:timing>
@@ -6594,7 +6566,7 @@
   <p:timing>
     <p:tnLst>
       <p:par>
-        <p:cTn xmlns:p14="http://schemas.microsoft.com/office/powerpoint/2010/main" id="1" dur="indefinite" restart="never" nodeType="tmRoot"/>
+        <p:cTn id="1" dur="indefinite" restart="never" nodeType="tmRoot"/>
       </p:par>
     </p:tnLst>
   </p:timing>
@@ -6942,7 +6914,7 @@
   <p:timing>
     <p:tnLst>
       <p:par>
-        <p:cTn xmlns:p14="http://schemas.microsoft.com/office/powerpoint/2010/main" id="1" dur="indefinite" restart="never" nodeType="tmRoot"/>
+        <p:cTn id="1" dur="indefinite" restart="never" nodeType="tmRoot"/>
       </p:par>
     </p:tnLst>
   </p:timing>
@@ -7242,7 +7214,7 @@
   <p:timing>
     <p:tnLst>
       <p:par>
-        <p:cTn xmlns:p14="http://schemas.microsoft.com/office/powerpoint/2010/main" id="1" dur="indefinite" restart="never" nodeType="tmRoot"/>
+        <p:cTn id="1" dur="indefinite" restart="never" nodeType="tmRoot"/>
       </p:par>
     </p:tnLst>
   </p:timing>
@@ -7581,7 +7553,7 @@
   <p:timing>
     <p:tnLst>
       <p:par>
-        <p:cTn xmlns:p14="http://schemas.microsoft.com/office/powerpoint/2010/main" id="1" dur="indefinite" restart="never" nodeType="tmRoot"/>
+        <p:cTn id="1" dur="indefinite" restart="never" nodeType="tmRoot"/>
       </p:par>
     </p:tnLst>
   </p:timing>
@@ -7954,7 +7926,7 @@
   <p:timing>
     <p:tnLst>
       <p:par>
-        <p:cTn xmlns:p14="http://schemas.microsoft.com/office/powerpoint/2010/main" id="1" dur="indefinite" restart="never" nodeType="tmRoot"/>
+        <p:cTn id="1" dur="indefinite" restart="never" nodeType="tmRoot"/>
       </p:par>
     </p:tnLst>
   </p:timing>
@@ -8327,7 +8299,7 @@
   <p:timing>
     <p:tnLst>
       <p:par>
-        <p:cTn xmlns:p14="http://schemas.microsoft.com/office/powerpoint/2010/main" id="1" dur="indefinite" restart="never" nodeType="tmRoot"/>
+        <p:cTn id="1" dur="indefinite" restart="never" nodeType="tmRoot"/>
       </p:par>
     </p:tnLst>
   </p:timing>
@@ -8783,7 +8755,7 @@
   <p:clrMapOvr>
     <a:masterClrMapping/>
   </p:clrMapOvr>
-  <p:transition xmlns:p14="http://schemas.microsoft.com/office/powerpoint/2010/main">
+  <p:transition>
     <p:fade/>
   </p:transition>
 </p:sldLayout>
@@ -8816,7 +8788,7 @@
   <p:clrMapOvr>
     <a:masterClrMapping/>
   </p:clrMapOvr>
-  <p:transition xmlns:p14="http://schemas.microsoft.com/office/powerpoint/2010/main">
+  <p:transition>
     <p:fade/>
   </p:transition>
 </p:sldLayout>
@@ -9124,7 +9096,7 @@
   <p:clrMapOvr>
     <a:masterClrMapping/>
   </p:clrMapOvr>
-  <p:transition xmlns:p14="http://schemas.microsoft.com/office/powerpoint/2010/main">
+  <p:transition>
     <p:fade/>
   </p:transition>
 </p:sldLayout>
@@ -9239,13 +9211,13 @@
   <p:clrMapOvr>
     <a:masterClrMapping/>
   </p:clrMapOvr>
-  <p:transition xmlns:p14="http://schemas.microsoft.com/office/powerpoint/2010/main">
+  <p:transition>
     <p:fade/>
   </p:transition>
   <p:timing>
     <p:tnLst>
       <p:par>
-        <p:cTn xmlns:p14="http://schemas.microsoft.com/office/powerpoint/2010/main" id="1" dur="indefinite" restart="never" nodeType="tmRoot"/>
+        <p:cTn id="1" dur="indefinite" restart="never" nodeType="tmRoot"/>
       </p:par>
     </p:tnLst>
   </p:timing>
@@ -9573,13 +9545,13 @@
   <p:clrMapOvr>
     <a:masterClrMapping/>
   </p:clrMapOvr>
-  <p:transition xmlns:p14="http://schemas.microsoft.com/office/powerpoint/2010/main">
+  <p:transition>
     <p:fade/>
   </p:transition>
   <p:timing>
     <p:tnLst>
       <p:par>
-        <p:cTn xmlns:p14="http://schemas.microsoft.com/office/powerpoint/2010/main" id="1" dur="indefinite" restart="never" nodeType="tmRoot"/>
+        <p:cTn id="1" dur="indefinite" restart="never" nodeType="tmRoot"/>
       </p:par>
     </p:tnLst>
   </p:timing>
@@ -9786,13 +9758,13 @@
   <p:clrMapOvr>
     <a:masterClrMapping/>
   </p:clrMapOvr>
-  <p:transition xmlns:p14="http://schemas.microsoft.com/office/powerpoint/2010/main">
+  <p:transition>
     <p:fade/>
   </p:transition>
   <p:timing>
     <p:tnLst>
       <p:par>
-        <p:cTn xmlns:p14="http://schemas.microsoft.com/office/powerpoint/2010/main" id="1" dur="indefinite" restart="never" nodeType="tmRoot"/>
+        <p:cTn id="1" dur="indefinite" restart="never" nodeType="tmRoot"/>
       </p:par>
     </p:tnLst>
   </p:timing>
@@ -10014,13 +9986,13 @@
   <p:clrMapOvr>
     <a:masterClrMapping/>
   </p:clrMapOvr>
-  <p:transition xmlns:p14="http://schemas.microsoft.com/office/powerpoint/2010/main">
+  <p:transition>
     <p:fade/>
   </p:transition>
   <p:timing>
     <p:tnLst>
       <p:par>
-        <p:cTn xmlns:p14="http://schemas.microsoft.com/office/powerpoint/2010/main" id="1" dur="indefinite" restart="never" nodeType="tmRoot"/>
+        <p:cTn id="1" dur="indefinite" restart="never" nodeType="tmRoot"/>
       </p:par>
     </p:tnLst>
   </p:timing>
@@ -10241,13 +10213,13 @@
   <p:clrMapOvr>
     <a:masterClrMapping/>
   </p:clrMapOvr>
-  <p:transition xmlns:p14="http://schemas.microsoft.com/office/powerpoint/2010/main">
+  <p:transition>
     <p:fade/>
   </p:transition>
   <p:timing>
     <p:tnLst>
       <p:par>
-        <p:cTn xmlns:p14="http://schemas.microsoft.com/office/powerpoint/2010/main" id="1" dur="indefinite" restart="never" nodeType="tmRoot"/>
+        <p:cTn id="1" dur="indefinite" restart="never" nodeType="tmRoot"/>
       </p:par>
     </p:tnLst>
   </p:timing>
@@ -10663,19 +10635,19 @@
   <p:clrMapOvr>
     <a:masterClrMapping/>
   </p:clrMapOvr>
-  <p:transition xmlns:p14="http://schemas.microsoft.com/office/powerpoint/2010/main">
+  <p:transition>
     <p:fade/>
   </p:transition>
   <p:timing>
     <p:tnLst>
       <p:par>
-        <p:cTn xmlns:p14="http://schemas.microsoft.com/office/powerpoint/2010/main" id="1" dur="indefinite" restart="never" nodeType="tmRoot"/>
+        <p:cTn id="1" dur="indefinite" restart="never" nodeType="tmRoot"/>
       </p:par>
     </p:tnLst>
   </p:timing>
   <p:extLst mod="1">
     <p:ext uri="{DCECCB84-F9BA-43D5-87BE-67443E8EF086}">
-      <p15:sldGuideLst xmlns:p15="http://schemas.microsoft.com/office/powerpoint/2012/main" xmlns="">
+      <p15:sldGuideLst xmlns:p15="http://schemas.microsoft.com/office/powerpoint/2012/main">
         <p15:guide id="1" orient="horz" pos="2203">
           <p15:clr>
             <a:srgbClr val="FBAE40"/>
@@ -10964,13 +10936,13 @@
   <p:clrMapOvr>
     <a:masterClrMapping/>
   </p:clrMapOvr>
-  <p:transition xmlns:p14="http://schemas.microsoft.com/office/powerpoint/2010/main">
+  <p:transition>
     <p:fade/>
   </p:transition>
   <p:timing>
     <p:tnLst>
       <p:par>
-        <p:cTn xmlns:p14="http://schemas.microsoft.com/office/powerpoint/2010/main" id="1" dur="indefinite" restart="never" nodeType="tmRoot"/>
+        <p:cTn id="1" dur="indefinite" restart="never" nodeType="tmRoot"/>
       </p:par>
     </p:tnLst>
   </p:timing>
@@ -11113,7 +11085,7 @@
   <p:timing>
     <p:tnLst>
       <p:par>
-        <p:cTn xmlns:p14="http://schemas.microsoft.com/office/powerpoint/2010/main" id="1" dur="indefinite" restart="never" nodeType="tmRoot"/>
+        <p:cTn id="1" dur="indefinite" restart="never" nodeType="tmRoot"/>
       </p:par>
     </p:tnLst>
   </p:timing>
@@ -11290,7 +11262,7 @@
   <p:timing>
     <p:tnLst>
       <p:par>
-        <p:cTn xmlns:p14="http://schemas.microsoft.com/office/powerpoint/2010/main" id="1" dur="indefinite" restart="never" nodeType="tmRoot"/>
+        <p:cTn id="1" dur="indefinite" restart="never" nodeType="tmRoot"/>
       </p:par>
     </p:tnLst>
   </p:timing>
@@ -11467,7 +11439,7 @@
   <p:timing>
     <p:tnLst>
       <p:par>
-        <p:cTn xmlns:p14="http://schemas.microsoft.com/office/powerpoint/2010/main" id="1" dur="indefinite" restart="never" nodeType="tmRoot"/>
+        <p:cTn id="1" dur="indefinite" restart="never" nodeType="tmRoot"/>
       </p:par>
     </p:tnLst>
   </p:timing>
@@ -11644,7 +11616,7 @@
   <p:timing>
     <p:tnLst>
       <p:par>
-        <p:cTn xmlns:p14="http://schemas.microsoft.com/office/powerpoint/2010/main" id="1" dur="indefinite" restart="never" nodeType="tmRoot"/>
+        <p:cTn id="1" dur="indefinite" restart="never" nodeType="tmRoot"/>
       </p:par>
     </p:tnLst>
   </p:timing>
@@ -11947,7 +11919,7 @@
   <p:timing>
     <p:tnLst>
       <p:par>
-        <p:cTn xmlns:p14="http://schemas.microsoft.com/office/powerpoint/2010/main" id="1" dur="indefinite" restart="never" nodeType="tmRoot"/>
+        <p:cTn id="1" dur="indefinite" restart="never" nodeType="tmRoot"/>
       </p:par>
     </p:tnLst>
   </p:timing>
@@ -12124,7 +12096,7 @@
   <p:timing>
     <p:tnLst>
       <p:par>
-        <p:cTn xmlns:p14="http://schemas.microsoft.com/office/powerpoint/2010/main" id="1" dur="indefinite" restart="never" nodeType="tmRoot"/>
+        <p:cTn id="1" dur="indefinite" restart="never" nodeType="tmRoot"/>
       </p:par>
     </p:tnLst>
   </p:timing>
@@ -12243,13 +12215,13 @@
   <p:clrMapOvr>
     <a:masterClrMapping/>
   </p:clrMapOvr>
-  <p:transition xmlns:p14="http://schemas.microsoft.com/office/powerpoint/2010/main">
+  <p:transition>
     <p:fade/>
   </p:transition>
   <p:timing>
     <p:tnLst>
       <p:par>
-        <p:cTn xmlns:p14="http://schemas.microsoft.com/office/powerpoint/2010/main" id="1" dur="indefinite" restart="never" nodeType="tmRoot"/>
+        <p:cTn id="1" dur="indefinite" restart="never" nodeType="tmRoot"/>
       </p:par>
     </p:tnLst>
   </p:timing>
@@ -12368,13 +12340,13 @@
   <p:clrMapOvr>
     <a:masterClrMapping/>
   </p:clrMapOvr>
-  <p:transition xmlns:p14="http://schemas.microsoft.com/office/powerpoint/2010/main">
+  <p:transition>
     <p:fade/>
   </p:transition>
   <p:timing>
     <p:tnLst>
       <p:par>
-        <p:cTn xmlns:p14="http://schemas.microsoft.com/office/powerpoint/2010/main" id="1" dur="indefinite" restart="never" nodeType="tmRoot"/>
+        <p:cTn id="1" dur="indefinite" restart="never" nodeType="tmRoot"/>
       </p:par>
     </p:tnLst>
   </p:timing>
@@ -12493,13 +12465,13 @@
   <p:clrMapOvr>
     <a:masterClrMapping/>
   </p:clrMapOvr>
-  <p:transition xmlns:p14="http://schemas.microsoft.com/office/powerpoint/2010/main">
+  <p:transition>
     <p:fade/>
   </p:transition>
   <p:timing>
     <p:tnLst>
       <p:par>
-        <p:cTn xmlns:p14="http://schemas.microsoft.com/office/powerpoint/2010/main" id="1" dur="indefinite" restart="never" nodeType="tmRoot"/>
+        <p:cTn id="1" dur="indefinite" restart="never" nodeType="tmRoot"/>
       </p:par>
     </p:tnLst>
   </p:timing>
@@ -12618,13 +12590,13 @@
   <p:clrMapOvr>
     <a:masterClrMapping/>
   </p:clrMapOvr>
-  <p:transition xmlns:p14="http://schemas.microsoft.com/office/powerpoint/2010/main">
+  <p:transition>
     <p:fade/>
   </p:transition>
   <p:timing>
     <p:tnLst>
       <p:par>
-        <p:cTn xmlns:p14="http://schemas.microsoft.com/office/powerpoint/2010/main" id="1" dur="indefinite" restart="never" nodeType="tmRoot"/>
+        <p:cTn id="1" dur="indefinite" restart="never" nodeType="tmRoot"/>
       </p:par>
     </p:tnLst>
   </p:timing>
@@ -12666,7 +12638,7 @@
   <p:clrMapOvr>
     <a:masterClrMapping/>
   </p:clrMapOvr>
-  <p:transition xmlns:p14="http://schemas.microsoft.com/office/powerpoint/2010/main">
+  <p:transition>
     <p:fade/>
   </p:transition>
 </p:sldLayout>
@@ -12707,7 +12679,7 @@
   <p:clrMapOvr>
     <a:masterClrMapping/>
   </p:clrMapOvr>
-  <p:transition xmlns:p14="http://schemas.microsoft.com/office/powerpoint/2010/main">
+  <p:transition>
     <p:fade/>
   </p:transition>
 </p:sldLayout>
@@ -12748,7 +12720,7 @@
   <p:clrMapOvr>
     <a:masterClrMapping/>
   </p:clrMapOvr>
-  <p:transition xmlns:p14="http://schemas.microsoft.com/office/powerpoint/2010/main">
+  <p:transition>
     <p:fade/>
   </p:transition>
 </p:sldLayout>
@@ -12789,7 +12761,7 @@
   <p:clrMapOvr>
     <a:masterClrMapping/>
   </p:clrMapOvr>
-  <p:transition xmlns:p14="http://schemas.microsoft.com/office/powerpoint/2010/main">
+  <p:transition>
     <p:fade/>
   </p:transition>
 </p:sldLayout>
@@ -13084,13 +13056,13 @@
   <p:clrMapOvr>
     <a:masterClrMapping/>
   </p:clrMapOvr>
-  <p:transition xmlns:p14="http://schemas.microsoft.com/office/powerpoint/2010/main">
+  <p:transition>
     <p:fade/>
   </p:transition>
   <p:timing>
     <p:tnLst>
       <p:par>
-        <p:cTn xmlns:p14="http://schemas.microsoft.com/office/powerpoint/2010/main" id="1" dur="indefinite" restart="never" nodeType="tmRoot"/>
+        <p:cTn id="1" dur="indefinite" restart="never" nodeType="tmRoot"/>
       </p:par>
     </p:tnLst>
   </p:timing>
@@ -13386,13 +13358,13 @@
   <p:clrMapOvr>
     <a:masterClrMapping/>
   </p:clrMapOvr>
-  <p:transition xmlns:p14="http://schemas.microsoft.com/office/powerpoint/2010/main">
+  <p:transition>
     <p:fade/>
   </p:transition>
   <p:timing>
     <p:tnLst>
       <p:par>
-        <p:cTn xmlns:p14="http://schemas.microsoft.com/office/powerpoint/2010/main" id="1" dur="indefinite" restart="never" nodeType="tmRoot"/>
+        <p:cTn id="1" dur="indefinite" restart="never" nodeType="tmRoot"/>
       </p:par>
     </p:tnLst>
   </p:timing>
@@ -13644,13 +13616,13 @@
   <p:clrMapOvr>
     <a:masterClrMapping/>
   </p:clrMapOvr>
-  <p:transition xmlns:p14="http://schemas.microsoft.com/office/powerpoint/2010/main">
+  <p:transition>
     <p:fade/>
   </p:transition>
   <p:timing>
     <p:tnLst>
       <p:par>
-        <p:cTn xmlns:p14="http://schemas.microsoft.com/office/powerpoint/2010/main" id="1" dur="indefinite" restart="never" nodeType="tmRoot"/>
+        <p:cTn id="1" dur="indefinite" restart="never" nodeType="tmRoot"/>
       </p:par>
     </p:tnLst>
   </p:timing>
@@ -14178,13 +14150,13 @@
   <p:clrMapOvr>
     <a:masterClrMapping/>
   </p:clrMapOvr>
-  <p:transition xmlns:p14="http://schemas.microsoft.com/office/powerpoint/2010/main">
+  <p:transition>
     <p:fade/>
   </p:transition>
   <p:timing>
     <p:tnLst>
       <p:par>
-        <p:cTn xmlns:p14="http://schemas.microsoft.com/office/powerpoint/2010/main" id="1" dur="indefinite" restart="never" nodeType="tmRoot"/>
+        <p:cTn id="1" dur="indefinite" restart="never" nodeType="tmRoot"/>
       </p:par>
     </p:tnLst>
   </p:timing>
@@ -14760,7 +14732,7 @@
   <p:clrMapOvr>
     <a:masterClrMapping/>
   </p:clrMapOvr>
-  <p:transition xmlns:p14="http://schemas.microsoft.com/office/powerpoint/2010/main">
+  <p:transition>
     <p:fade/>
   </p:transition>
 </p:sldLayout>
@@ -15254,7 +15226,7 @@
   <p:clrMapOvr>
     <a:masterClrMapping/>
   </p:clrMapOvr>
-  <p:transition xmlns:p14="http://schemas.microsoft.com/office/powerpoint/2010/main">
+  <p:transition>
     <p:fade/>
   </p:transition>
 </p:sldLayout>
@@ -15413,13 +15385,13 @@
     <p:sldLayoutId id="2147484149" r:id="rId25"/>
     <p:sldLayoutId id="2147484150" r:id="rId26"/>
   </p:sldLayoutIdLst>
-  <p:transition xmlns:p14="http://schemas.microsoft.com/office/powerpoint/2010/main">
+  <p:transition>
     <p:fade/>
   </p:transition>
   <p:timing>
     <p:tnLst>
       <p:par>
-        <p:cTn xmlns:p14="http://schemas.microsoft.com/office/powerpoint/2010/main" id="1" dur="indefinite" restart="never" nodeType="tmRoot"/>
+        <p:cTn id="1" dur="indefinite" restart="never" nodeType="tmRoot"/>
       </p:par>
     </p:tnLst>
   </p:timing>
@@ -15825,13 +15797,13 @@
     <p:sldLayoutId id="2147484066" r:id="rId11"/>
     <p:sldLayoutId id="2147484098" r:id="rId12"/>
   </p:sldLayoutIdLst>
-  <p:transition xmlns:p14="http://schemas.microsoft.com/office/powerpoint/2010/main">
+  <p:transition>
     <p:fade/>
   </p:transition>
   <p:timing>
     <p:tnLst>
       <p:par>
-        <p:cTn xmlns:p14="http://schemas.microsoft.com/office/powerpoint/2010/main" id="1" dur="indefinite" restart="never" nodeType="tmRoot"/>
+        <p:cTn id="1" dur="indefinite" restart="never" nodeType="tmRoot"/>
       </p:par>
     </p:tnLst>
   </p:timing>
@@ -16227,13 +16199,8 @@
           <a:p>
             <a:r>
               <a:rPr lang="en-US" sz="6600" dirty="0"/>
-              <a:t>Office </a:t>
+              <a:t>Office Camp</a:t>
             </a:r>
-            <a:r>
-              <a:rPr lang="en-US" sz="6600" dirty="0"/>
-              <a:t>Camp</a:t>
-            </a:r>
-            <a:endParaRPr lang="en-US" sz="6600" dirty="0"/>
           </a:p>
         </p:txBody>
       </p:sp>
@@ -16285,7 +16252,7 @@
   <p:timing>
     <p:tnLst>
       <p:par>
-        <p:cTn xmlns:p14="http://schemas.microsoft.com/office/powerpoint/2010/main" id="1" dur="indefinite" restart="never" nodeType="tmRoot"/>
+        <p:cTn id="1" dur="indefinite" restart="never" nodeType="tmRoot"/>
       </p:par>
     </p:tnLst>
   </p:timing>
@@ -16366,13 +16333,13 @@
   <p:clrMapOvr>
     <a:masterClrMapping/>
   </p:clrMapOvr>
-  <p:transition xmlns:p14="http://schemas.microsoft.com/office/powerpoint/2010/main">
+  <p:transition>
     <p:fade/>
   </p:transition>
   <p:timing>
     <p:tnLst>
       <p:par>
-        <p:cTn xmlns:p14="http://schemas.microsoft.com/office/powerpoint/2010/main" id="1" dur="indefinite" restart="never" nodeType="tmRoot"/>
+        <p:cTn id="1" dur="indefinite" restart="never" nodeType="tmRoot"/>
       </p:par>
     </p:tnLst>
   </p:timing>
@@ -16704,13 +16671,13 @@
   <p:clrMapOvr>
     <a:masterClrMapping/>
   </p:clrMapOvr>
-  <p:transition xmlns:p14="http://schemas.microsoft.com/office/powerpoint/2010/main" spd="slow">
+  <p:transition spd="slow">
     <p:wipe/>
   </p:transition>
   <p:timing>
     <p:tnLst>
       <p:par>
-        <p:cTn xmlns:p14="http://schemas.microsoft.com/office/powerpoint/2010/main" id="1" dur="indefinite" restart="never" nodeType="tmRoot">
+        <p:cTn id="1" dur="indefinite" restart="never" nodeType="tmRoot">
           <p:childTnLst>
             <p:seq concurrent="1" nextAc="seek">
               <p:cTn id="2" dur="indefinite" nodeType="mainSeq">
@@ -17249,13 +17216,13 @@
   <p:clrMapOvr>
     <a:masterClrMapping/>
   </p:clrMapOvr>
-  <p:transition xmlns:p14="http://schemas.microsoft.com/office/powerpoint/2010/main" spd="slow">
+  <p:transition spd="slow">
     <p:push dir="u"/>
   </p:transition>
   <p:timing>
     <p:tnLst>
       <p:par>
-        <p:cTn xmlns:p14="http://schemas.microsoft.com/office/powerpoint/2010/main" id="1" dur="indefinite" restart="never" nodeType="tmRoot"/>
+        <p:cTn id="1" dur="indefinite" restart="never" nodeType="tmRoot"/>
       </p:par>
     </p:tnLst>
   </p:timing>
@@ -17347,15 +17314,7 @@
             </a:pPr>
             <a:r>
               <a:rPr lang="en-US" sz="2800" dirty="0"/>
-              <a:t>Build market place apps and reach all </a:t>
-            </a:r>
-            <a:r>
-              <a:rPr lang="en-US" sz="2800" dirty="0"/>
-              <a:t>Office 365 customers </a:t>
-            </a:r>
-            <a:r>
-              <a:rPr lang="en-US" sz="2800" dirty="0"/>
-              <a:t>easily</a:t>
+              <a:t>Build market place apps and reach all Office 365 customers easily</a:t>
             </a:r>
           </a:p>
           <a:p>
@@ -17658,7 +17617,7 @@
   <p:timing>
     <p:tnLst>
       <p:par>
-        <p:cTn xmlns:p14="http://schemas.microsoft.com/office/powerpoint/2010/main" id="1" dur="indefinite" restart="never" nodeType="tmRoot"/>
+        <p:cTn id="1" dur="indefinite" restart="never" nodeType="tmRoot"/>
       </p:par>
     </p:tnLst>
   </p:timing>
@@ -17724,20 +17683,12 @@
               <a:rPr lang="en-US" sz="3600" dirty="0"/>
               <a:t>Enables remote development against the </a:t>
             </a:r>
-            <a:r>
-              <a:rPr lang="en-US" sz="3600" dirty="0"/>
-              <a:t/>
-            </a:r>
             <a:br>
               <a:rPr lang="en-US" sz="3600" dirty="0"/>
             </a:br>
             <a:r>
               <a:rPr lang="en-US" sz="3600" dirty="0"/>
-              <a:t>SharePoint </a:t>
-            </a:r>
-            <a:r>
-              <a:rPr lang="en-US" sz="3600" dirty="0"/>
-              <a:t>farm</a:t>
+              <a:t>SharePoint farm</a:t>
             </a:r>
           </a:p>
           <a:p>
@@ -17790,13 +17741,13 @@
   <p:clrMapOvr>
     <a:masterClrMapping/>
   </p:clrMapOvr>
-  <p:transition xmlns:p14="http://schemas.microsoft.com/office/powerpoint/2010/main">
+  <p:transition>
     <p:fade/>
   </p:transition>
   <p:timing>
     <p:tnLst>
       <p:par>
-        <p:cTn xmlns:p14="http://schemas.microsoft.com/office/powerpoint/2010/main" id="1" dur="indefinite" restart="never" nodeType="tmRoot"/>
+        <p:cTn id="1" dur="indefinite" restart="never" nodeType="tmRoot"/>
       </p:par>
     </p:tnLst>
   </p:timing>
@@ -17893,7 +17844,7 @@
           </a:effectLst>
           <a:extLst>
             <a:ext uri="{909E8E84-426E-40dd-AFC4-6F175D3DCCD1}">
-              <a14:hiddenFill xmlns:a14="http://schemas.microsoft.com/office/drawing/2010/main">
+              <a14:hiddenFill xmlns:a14="http://schemas.microsoft.com/office/drawing/2010/main" xmlns="">
                 <a:solidFill>
                   <a:srgbClr val="FFFFFF"/>
                 </a:solidFill>
@@ -17996,7 +17947,7 @@
           <a:noFill/>
           <a:extLst>
             <a:ext uri="{909E8E84-426E-40dd-AFC4-6F175D3DCCD1}">
-              <a14:hiddenFill xmlns:a14="http://schemas.microsoft.com/office/drawing/2010/main">
+              <a14:hiddenFill xmlns:a14="http://schemas.microsoft.com/office/drawing/2010/main" xmlns="">
                 <a:solidFill>
                   <a:srgbClr val="FFFFFF"/>
                 </a:solidFill>
@@ -20362,13 +20313,13 @@
   <p:clrMapOvr>
     <a:masterClrMapping/>
   </p:clrMapOvr>
-  <p:transition xmlns:p14="http://schemas.microsoft.com/office/powerpoint/2010/main">
+  <p:transition>
     <p:fade/>
   </p:transition>
   <p:timing>
     <p:tnLst>
       <p:par>
-        <p:cTn xmlns:p14="http://schemas.microsoft.com/office/powerpoint/2010/main" id="1" dur="indefinite" restart="never" nodeType="tmRoot"/>
+        <p:cTn id="1" dur="indefinite" restart="never" nodeType="tmRoot"/>
       </p:par>
     </p:tnLst>
   </p:timing>
@@ -22097,7 +22048,7 @@
   <p:timing>
     <p:tnLst>
       <p:par>
-        <p:cTn xmlns:p14="http://schemas.microsoft.com/office/powerpoint/2010/main" id="1" dur="indefinite" restart="never" nodeType="tmRoot"/>
+        <p:cTn id="1" dur="indefinite" restart="never" nodeType="tmRoot"/>
       </p:par>
     </p:tnLst>
   </p:timing>
@@ -22164,7 +22115,7 @@
           </a:effectLst>
           <a:extLst>
             <a:ext uri="{909E8E84-426E-40dd-AFC4-6F175D3DCCD1}">
-              <a14:hiddenFill xmlns:a14="http://schemas.microsoft.com/office/drawing/2010/main">
+              <a14:hiddenFill xmlns:a14="http://schemas.microsoft.com/office/drawing/2010/main" xmlns="">
                 <a:solidFill>
                   <a:schemeClr val="accent1"/>
                 </a:solidFill>
@@ -22207,13 +22158,13 @@
   <p:clrMapOvr>
     <a:masterClrMapping/>
   </p:clrMapOvr>
-  <p:transition xmlns:p14="http://schemas.microsoft.com/office/powerpoint/2010/main">
+  <p:transition>
     <p:fade/>
   </p:transition>
   <p:timing>
     <p:tnLst>
       <p:par>
-        <p:cTn xmlns:p14="http://schemas.microsoft.com/office/powerpoint/2010/main" id="1" dur="indefinite" restart="never" nodeType="tmRoot">
+        <p:cTn id="1" dur="indefinite" restart="never" nodeType="tmRoot">
           <p:childTnLst>
             <p:seq concurrent="1" nextAc="seek">
               <p:cTn id="2" dur="indefinite" nodeType="mainSeq">
@@ -23934,7 +23885,7 @@
   <p:timing>
     <p:tnLst>
       <p:par>
-        <p:cTn xmlns:p14="http://schemas.microsoft.com/office/powerpoint/2010/main" id="1" dur="indefinite" restart="never" nodeType="tmRoot"/>
+        <p:cTn id="1" dur="indefinite" restart="never" nodeType="tmRoot"/>
       </p:par>
     </p:tnLst>
   </p:timing>
@@ -24182,13 +24133,13 @@
   <p:clrMapOvr>
     <a:masterClrMapping/>
   </p:clrMapOvr>
-  <p:transition xmlns:p14="http://schemas.microsoft.com/office/powerpoint/2010/main">
+  <p:transition>
     <p:fade/>
   </p:transition>
   <p:timing>
     <p:tnLst>
       <p:par>
-        <p:cTn xmlns:p14="http://schemas.microsoft.com/office/powerpoint/2010/main" id="1" dur="indefinite" restart="never" nodeType="tmRoot">
+        <p:cTn id="1" dur="indefinite" restart="never" nodeType="tmRoot">
           <p:childTnLst>
             <p:seq concurrent="1" nextAc="seek">
               <p:cTn id="2" dur="indefinite" nodeType="mainSeq">
@@ -24395,7 +24346,7 @@
             <p:ph sz="quarter" idx="10"/>
             <p:extLst>
               <p:ext uri="{D42A27DB-BD31-4B8C-83A1-F6EECF244321}">
-                <p14:modId xmlns:p14="http://schemas.microsoft.com/office/powerpoint/2010/main" val="4144926667"/>
+                <p14:modId xmlns:p14="http://schemas.microsoft.com/office/powerpoint/2010/main" val="61927298"/>
               </p:ext>
             </p:extLst>
           </p:nvPr>
@@ -24414,7 +24365,7 @@
                 <a:gridCol w="11225057">
                   <a:extLst>
                     <a:ext uri="{9D8B030D-6E8A-4147-A177-3AD203B41FA5}">
-                      <a16:colId xmlns="" xmlns:a16="http://schemas.microsoft.com/office/drawing/2014/main" val="1253488153"/>
+                      <a16:colId xmlns:a16="http://schemas.microsoft.com/office/drawing/2014/main" xmlns="" val="1253488153"/>
                     </a:ext>
                   </a:extLst>
                 </a:gridCol>
@@ -24436,7 +24387,7 @@
                 </a:tc>
                 <a:extLst>
                   <a:ext uri="{0D108BD9-81ED-4DB2-BD59-A6C34878D82A}">
-                    <a16:rowId xmlns="" xmlns:a16="http://schemas.microsoft.com/office/drawing/2014/main" val="829859176"/>
+                    <a16:rowId xmlns:a16="http://schemas.microsoft.com/office/drawing/2014/main" xmlns="" val="829859176"/>
                   </a:ext>
                 </a:extLst>
               </a:tr>
@@ -24456,7 +24407,7 @@
                 </a:tc>
                 <a:extLst>
                   <a:ext uri="{0D108BD9-81ED-4DB2-BD59-A6C34878D82A}">
-                    <a16:rowId xmlns="" xmlns:a16="http://schemas.microsoft.com/office/drawing/2014/main" val="1946132611"/>
+                    <a16:rowId xmlns:a16="http://schemas.microsoft.com/office/drawing/2014/main" xmlns="" val="1946132611"/>
                   </a:ext>
                 </a:extLst>
               </a:tr>
@@ -24493,7 +24444,7 @@
                 </a:tc>
                 <a:extLst>
                   <a:ext uri="{0D108BD9-81ED-4DB2-BD59-A6C34878D82A}">
-                    <a16:rowId xmlns="" xmlns:a16="http://schemas.microsoft.com/office/drawing/2014/main" val="3204002662"/>
+                    <a16:rowId xmlns:a16="http://schemas.microsoft.com/office/drawing/2014/main" xmlns="" val="3204002662"/>
                   </a:ext>
                 </a:extLst>
               </a:tr>
@@ -24522,15 +24473,7 @@
                       </a:pPr>
                       <a:r>
                         <a:rPr lang="en-US" sz="2400" dirty="0" smtClean="0"/>
-                        <a:t>Module 3: </a:t>
-                      </a:r>
-                      <a:r>
-                        <a:rPr lang="en-US" sz="2400" dirty="0" smtClean="0"/>
-                        <a:t>Hook </a:t>
-                      </a:r>
-                      <a:r>
-                        <a:rPr lang="en-US" sz="2400" dirty="0" smtClean="0"/>
-                        <a:t>into Apps for SharePoint</a:t>
+                        <a:t>Module 3: Hook into Apps for SharePoint</a:t>
                       </a:r>
                     </a:p>
                   </a:txBody>
@@ -24538,7 +24481,7 @@
                 </a:tc>
                 <a:extLst>
                   <a:ext uri="{0D108BD9-81ED-4DB2-BD59-A6C34878D82A}">
-                    <a16:rowId xmlns="" xmlns:a16="http://schemas.microsoft.com/office/drawing/2014/main" val="4266278162"/>
+                    <a16:rowId xmlns:a16="http://schemas.microsoft.com/office/drawing/2014/main" xmlns="" val="4266278162"/>
                   </a:ext>
                 </a:extLst>
               </a:tr>
@@ -24571,12 +24514,17 @@
                       </a:r>
                       <a:r>
                         <a:rPr lang="en-US" sz="2400" dirty="0" smtClean="0"/>
-                        <a:t>Hook </a:t>
+                        <a:t>Hook into Office </a:t>
                       </a:r>
                       <a:r>
-                        <a:rPr lang="en-US" sz="2400" dirty="0" smtClean="0"/>
-                        <a:t>into Office 365 and SharePoint APIs with SPAs</a:t>
+                        <a:rPr lang="en-US" sz="2400" smtClean="0"/>
+                        <a:t>365 </a:t>
                       </a:r>
+                      <a:r>
+                        <a:rPr lang="en-US" sz="2400" smtClean="0"/>
+                        <a:t>APIs</a:t>
+                      </a:r>
+                      <a:endParaRPr lang="en-US" sz="2400" dirty="0" smtClean="0"/>
                     </a:p>
                   </a:txBody>
                   <a:tcPr marL="91403" marR="91403" marT="45701" marB="45701" anchor="ctr"/>
@@ -24607,15 +24555,7 @@
                       </a:pPr>
                       <a:r>
                         <a:rPr lang="en-US" sz="2400" b="0" dirty="0" smtClean="0"/>
-                        <a:t>Module 5: </a:t>
-                      </a:r>
-                      <a:r>
-                        <a:rPr lang="en-US" sz="2400" b="0" dirty="0" smtClean="0"/>
-                        <a:t>Hook </a:t>
-                      </a:r>
-                      <a:r>
-                        <a:rPr lang="en-US" sz="2400" b="0" dirty="0" smtClean="0"/>
-                        <a:t>into Apps for Office</a:t>
+                        <a:t>Module 5: Hook into Apps for Office</a:t>
                       </a:r>
                     </a:p>
                   </a:txBody>
@@ -24636,13 +24576,13 @@
   <p:clrMapOvr>
     <a:masterClrMapping/>
   </p:clrMapOvr>
-  <p:transition xmlns:p14="http://schemas.microsoft.com/office/powerpoint/2010/main">
+  <p:transition>
     <p:fade/>
   </p:transition>
   <p:timing>
     <p:tnLst>
       <p:par>
-        <p:cTn xmlns:p14="http://schemas.microsoft.com/office/powerpoint/2010/main" id="1" dur="indefinite" restart="never" nodeType="tmRoot"/>
+        <p:cTn id="1" dur="indefinite" restart="never" nodeType="tmRoot"/>
       </p:par>
     </p:tnLst>
   </p:timing>
@@ -26310,7 +26250,7 @@
   <p:timing>
     <p:tnLst>
       <p:par>
-        <p:cTn xmlns:p14="http://schemas.microsoft.com/office/powerpoint/2010/main" id="1" dur="indefinite" restart="never" nodeType="tmRoot"/>
+        <p:cTn id="1" dur="indefinite" restart="never" nodeType="tmRoot"/>
       </p:par>
     </p:tnLst>
   </p:timing>
@@ -26451,13 +26391,13 @@
   <p:clrMapOvr>
     <a:masterClrMapping/>
   </p:clrMapOvr>
-  <p:transition xmlns:p14="http://schemas.microsoft.com/office/powerpoint/2010/main">
+  <p:transition>
     <p:fade/>
   </p:transition>
   <p:timing>
     <p:tnLst>
       <p:par>
-        <p:cTn xmlns:p14="http://schemas.microsoft.com/office/powerpoint/2010/main" id="1" dur="indefinite" restart="never" nodeType="tmRoot">
+        <p:cTn id="1" dur="indefinite" restart="never" nodeType="tmRoot">
           <p:childTnLst>
             <p:seq concurrent="1" nextAc="seek">
               <p:cTn id="2" dur="indefinite" nodeType="mainSeq">
@@ -26623,13 +26563,13 @@
   <p:clrMapOvr>
     <a:masterClrMapping/>
   </p:clrMapOvr>
-  <p:transition xmlns:p14="http://schemas.microsoft.com/office/powerpoint/2010/main">
+  <p:transition>
     <p:fade/>
   </p:transition>
   <p:timing>
     <p:tnLst>
       <p:par>
-        <p:cTn xmlns:p14="http://schemas.microsoft.com/office/powerpoint/2010/main" id="1" dur="indefinite" restart="never" nodeType="tmRoot"/>
+        <p:cTn id="1" dur="indefinite" restart="never" nodeType="tmRoot"/>
       </p:par>
     </p:tnLst>
   </p:timing>
@@ -26798,13 +26738,13 @@
   <p:clrMapOvr>
     <a:masterClrMapping/>
   </p:clrMapOvr>
-  <p:transition xmlns:p14="http://schemas.microsoft.com/office/powerpoint/2010/main">
+  <p:transition>
     <p:fade/>
   </p:transition>
   <p:timing>
     <p:tnLst>
       <p:par>
-        <p:cTn xmlns:p14="http://schemas.microsoft.com/office/powerpoint/2010/main" id="1" dur="indefinite" restart="never" nodeType="tmRoot"/>
+        <p:cTn id="1" dur="indefinite" restart="never" nodeType="tmRoot"/>
       </p:par>
     </p:tnLst>
   </p:timing>
@@ -26912,13 +26852,13 @@
   <p:clrMapOvr>
     <a:masterClrMapping/>
   </p:clrMapOvr>
-  <p:transition xmlns:p14="http://schemas.microsoft.com/office/powerpoint/2010/main">
+  <p:transition>
     <p:fade/>
   </p:transition>
   <p:timing>
     <p:tnLst>
       <p:par>
-        <p:cTn xmlns:p14="http://schemas.microsoft.com/office/powerpoint/2010/main" id="1" dur="indefinite" restart="never" nodeType="tmRoot"/>
+        <p:cTn id="1" dur="indefinite" restart="never" nodeType="tmRoot"/>
       </p:par>
     </p:tnLst>
   </p:timing>
@@ -28312,7 +28252,7 @@
               </a:ln>
               <a:extLst>
                 <a:ext uri="{91240B29-F687-4f45-9708-019B960494DF}">
-                  <a14:hiddenLine xmlns:a14="http://schemas.microsoft.com/office/drawing/2010/main" w="9525">
+                  <a14:hiddenLine xmlns:a14="http://schemas.microsoft.com/office/drawing/2010/main" xmlns="" w="9525">
                     <a:solidFill>
                       <a:srgbClr val="000000"/>
                     </a:solidFill>
@@ -28413,7 +28353,7 @@
               </a:ln>
               <a:extLst>
                 <a:ext uri="{91240B29-F687-4f45-9708-019B960494DF}">
-                  <a14:hiddenLine xmlns:a14="http://schemas.microsoft.com/office/drawing/2010/main" w="9525">
+                  <a14:hiddenLine xmlns:a14="http://schemas.microsoft.com/office/drawing/2010/main" xmlns="" w="9525">
                     <a:solidFill>
                       <a:srgbClr val="000000"/>
                     </a:solidFill>
@@ -35213,7 +35153,7 @@
               </a:ln>
               <a:extLst>
                 <a:ext uri="{91240B29-F687-4f45-9708-019B960494DF}">
-                  <a14:hiddenLine xmlns:a14="http://schemas.microsoft.com/office/drawing/2010/main" w="9525">
+                  <a14:hiddenLine xmlns:a14="http://schemas.microsoft.com/office/drawing/2010/main" xmlns="" w="9525">
                     <a:solidFill>
                       <a:srgbClr val="000000"/>
                     </a:solidFill>
@@ -35371,7 +35311,7 @@
               </a:ln>
               <a:extLst>
                 <a:ext uri="{91240B29-F687-4f45-9708-019B960494DF}">
-                  <a14:hiddenLine xmlns:a14="http://schemas.microsoft.com/office/drawing/2010/main" w="9525">
+                  <a14:hiddenLine xmlns:a14="http://schemas.microsoft.com/office/drawing/2010/main" xmlns="" w="9525">
                     <a:solidFill>
                       <a:srgbClr val="000000"/>
                     </a:solidFill>
@@ -35431,7 +35371,7 @@
               </a:ln>
               <a:extLst>
                 <a:ext uri="{91240B29-F687-4f45-9708-019B960494DF}">
-                  <a14:hiddenLine xmlns:a14="http://schemas.microsoft.com/office/drawing/2010/main" w="9525">
+                  <a14:hiddenLine xmlns:a14="http://schemas.microsoft.com/office/drawing/2010/main" xmlns="" w="9525">
                     <a:solidFill>
                       <a:srgbClr val="000000"/>
                     </a:solidFill>
@@ -35608,7 +35548,7 @@
               </a:ln>
               <a:extLst>
                 <a:ext uri="{91240B29-F687-4f45-9708-019B960494DF}">
-                  <a14:hiddenLine xmlns:a14="http://schemas.microsoft.com/office/drawing/2010/main" w="9525">
+                  <a14:hiddenLine xmlns:a14="http://schemas.microsoft.com/office/drawing/2010/main" xmlns="" w="9525">
                     <a:solidFill>
                       <a:srgbClr val="000000"/>
                     </a:solidFill>
@@ -35848,7 +35788,7 @@
   <p:timing>
     <p:tnLst>
       <p:par>
-        <p:cTn xmlns:p14="http://schemas.microsoft.com/office/powerpoint/2010/main" id="1" dur="indefinite" restart="never" nodeType="tmRoot">
+        <p:cTn id="1" dur="indefinite" restart="never" nodeType="tmRoot">
           <p:childTnLst>
             <p:seq concurrent="1" nextAc="seek">
               <p:cTn id="2" dur="indefinite" nodeType="mainSeq">
@@ -36924,7 +36864,7 @@
   <p:clrMapOvr>
     <a:masterClrMapping/>
   </p:clrMapOvr>
-  <p:transition xmlns:p14="http://schemas.microsoft.com/office/powerpoint/2010/main">
+  <p:transition>
     <p:fade/>
   </p:transition>
 </p:sld>
@@ -37006,13 +36946,13 @@
   <p:clrMapOvr>
     <a:masterClrMapping/>
   </p:clrMapOvr>
-  <p:transition xmlns:p14="http://schemas.microsoft.com/office/powerpoint/2010/main">
+  <p:transition>
     <p:fade/>
   </p:transition>
   <p:timing>
     <p:tnLst>
       <p:par>
-        <p:cTn xmlns:p14="http://schemas.microsoft.com/office/powerpoint/2010/main" id="1" dur="indefinite" restart="never" nodeType="tmRoot"/>
+        <p:cTn id="1" dur="indefinite" restart="never" nodeType="tmRoot"/>
       </p:par>
     </p:tnLst>
   </p:timing>
@@ -37099,13 +37039,13 @@
   <p:clrMapOvr>
     <a:masterClrMapping/>
   </p:clrMapOvr>
-  <p:transition xmlns:p14="http://schemas.microsoft.com/office/powerpoint/2010/main">
+  <p:transition>
     <p:fade/>
   </p:transition>
   <p:timing>
     <p:tnLst>
       <p:par>
-        <p:cTn xmlns:p14="http://schemas.microsoft.com/office/powerpoint/2010/main" id="1" dur="indefinite" restart="never" nodeType="tmRoot"/>
+        <p:cTn id="1" dur="indefinite" restart="never" nodeType="tmRoot"/>
       </p:par>
     </p:tnLst>
   </p:timing>
@@ -37188,13 +37128,13 @@
   <p:clrMapOvr>
     <a:masterClrMapping/>
   </p:clrMapOvr>
-  <p:transition xmlns:p14="http://schemas.microsoft.com/office/powerpoint/2010/main">
+  <p:transition>
     <p:fade/>
   </p:transition>
   <p:timing>
     <p:tnLst>
       <p:par>
-        <p:cTn xmlns:p14="http://schemas.microsoft.com/office/powerpoint/2010/main" id="1" dur="indefinite" restart="never" nodeType="tmRoot"/>
+        <p:cTn id="1" dur="indefinite" restart="never" nodeType="tmRoot"/>
       </p:par>
     </p:tnLst>
   </p:timing>
@@ -37288,13 +37228,13 @@
   <p:clrMapOvr>
     <a:masterClrMapping/>
   </p:clrMapOvr>
-  <p:transition xmlns:p14="http://schemas.microsoft.com/office/powerpoint/2010/main">
+  <p:transition>
     <p:fade/>
   </p:transition>
   <p:timing>
     <p:tnLst>
       <p:par>
-        <p:cTn xmlns:p14="http://schemas.microsoft.com/office/powerpoint/2010/main" id="1" dur="indefinite" restart="never" nodeType="tmRoot"/>
+        <p:cTn id="1" dur="indefinite" restart="never" nodeType="tmRoot"/>
       </p:par>
     </p:tnLst>
   </p:timing>
@@ -37377,13 +37317,13 @@
   <p:clrMapOvr>
     <a:masterClrMapping/>
   </p:clrMapOvr>
-  <p:transition xmlns:p14="http://schemas.microsoft.com/office/powerpoint/2010/main">
+  <p:transition>
     <p:fade/>
   </p:transition>
   <p:timing>
     <p:tnLst>
       <p:par>
-        <p:cTn xmlns:p14="http://schemas.microsoft.com/office/powerpoint/2010/main" id="1" dur="indefinite" restart="never" nodeType="tmRoot"/>
+        <p:cTn id="1" dur="indefinite" restart="never" nodeType="tmRoot"/>
       </p:par>
     </p:tnLst>
   </p:timing>
@@ -37531,7 +37471,7 @@
   <p:timing>
     <p:tnLst>
       <p:par>
-        <p:cTn xmlns:p14="http://schemas.microsoft.com/office/powerpoint/2010/main" id="1" dur="indefinite" restart="never" nodeType="tmRoot"/>
+        <p:cTn id="1" dur="indefinite" restart="never" nodeType="tmRoot"/>
       </p:par>
     </p:tnLst>
   </p:timing>
@@ -37607,83 +37547,7 @@
                 <a:ea typeface="Segoe UI" pitchFamily="34" charset="0"/>
                 <a:cs typeface="Segoe UI" pitchFamily="34" charset="0"/>
               </a:rPr>
-              <a:t>© </a:t>
-            </a:r>
-            <a:r>
-              <a:rPr lang="en-US" sz="700" dirty="0">
-                <a:gradFill>
-                  <a:gsLst>
-                    <a:gs pos="0">
-                      <a:schemeClr val="tx1"/>
-                    </a:gs>
-                    <a:gs pos="100000">
-                      <a:schemeClr val="tx1"/>
-                    </a:gs>
-                  </a:gsLst>
-                  <a:lin ang="5400000" scaled="0"/>
-                </a:gradFill>
-                <a:latin typeface="Segoe UI" pitchFamily="34" charset="0"/>
-                <a:ea typeface="Segoe UI" pitchFamily="34" charset="0"/>
-                <a:cs typeface="Segoe UI" pitchFamily="34" charset="0"/>
-              </a:rPr>
-              <a:t>2012 Microsoft </a:t>
-            </a:r>
-            <a:r>
-              <a:rPr lang="en-US" sz="700" dirty="0">
-                <a:gradFill>
-                  <a:gsLst>
-                    <a:gs pos="0">
-                      <a:schemeClr val="tx1"/>
-                    </a:gs>
-                    <a:gs pos="100000">
-                      <a:schemeClr val="tx1"/>
-                    </a:gs>
-                  </a:gsLst>
-                  <a:lin ang="5400000" scaled="0"/>
-                </a:gradFill>
-                <a:latin typeface="Segoe UI" pitchFamily="34" charset="0"/>
-                <a:ea typeface="Segoe UI" pitchFamily="34" charset="0"/>
-                <a:cs typeface="Segoe UI" pitchFamily="34" charset="0"/>
-              </a:rPr>
-              <a:t>Corporation. All rights reserved. Microsoft, Windows, </a:t>
-            </a:r>
-            <a:r>
-              <a:rPr lang="en-US" sz="700" dirty="0">
-                <a:gradFill>
-                  <a:gsLst>
-                    <a:gs pos="0">
-                      <a:schemeClr val="tx1"/>
-                    </a:gs>
-                    <a:gs pos="100000">
-                      <a:schemeClr val="tx1"/>
-                    </a:gs>
-                  </a:gsLst>
-                  <a:lin ang="5400000" scaled="0"/>
-                </a:gradFill>
-                <a:latin typeface="Segoe UI" pitchFamily="34" charset="0"/>
-                <a:ea typeface="Segoe UI" pitchFamily="34" charset="0"/>
-                <a:cs typeface="Segoe UI" pitchFamily="34" charset="0"/>
-              </a:rPr>
-              <a:t>and </a:t>
-            </a:r>
-            <a:r>
-              <a:rPr lang="en-US" sz="700" dirty="0">
-                <a:gradFill>
-                  <a:gsLst>
-                    <a:gs pos="0">
-                      <a:schemeClr val="tx1"/>
-                    </a:gs>
-                    <a:gs pos="100000">
-                      <a:schemeClr val="tx1"/>
-                    </a:gs>
-                  </a:gsLst>
-                  <a:lin ang="5400000" scaled="0"/>
-                </a:gradFill>
-                <a:latin typeface="Segoe UI" pitchFamily="34" charset="0"/>
-                <a:ea typeface="Segoe UI" pitchFamily="34" charset="0"/>
-                <a:cs typeface="Segoe UI" pitchFamily="34" charset="0"/>
-              </a:rPr>
-              <a:t>other product names are or may be registered trademarks and/or trademarks in the U.S. and/or other countries.</a:t>
+              <a:t>© 2012 Microsoft Corporation. All rights reserved. Microsoft, Windows, and other product names are or may be registered trademarks and/or trademarks in the U.S. and/or other countries.</a:t>
             </a:r>
           </a:p>
           <a:p>
@@ -37706,25 +37570,6 @@
                 <a:cs typeface="Segoe UI" pitchFamily="34" charset="0"/>
               </a:rPr>
               <a:t>The information herein is for informational purposes only and represents the current view of Microsoft Corporation as of the date of this presentation.  Because Microsoft must respond to changing market conditions, it should not be interpreted to be a commitment on the </a:t>
-            </a:r>
-            <a:r>
-              <a:rPr lang="en-US" sz="700" dirty="0">
-                <a:gradFill>
-                  <a:gsLst>
-                    <a:gs pos="0">
-                      <a:schemeClr val="tx1"/>
-                    </a:gs>
-                    <a:gs pos="100000">
-                      <a:schemeClr val="tx1"/>
-                    </a:gs>
-                  </a:gsLst>
-                  <a:lin ang="5400000" scaled="0"/>
-                </a:gradFill>
-                <a:latin typeface="Segoe UI" pitchFamily="34" charset="0"/>
-                <a:ea typeface="Segoe UI" pitchFamily="34" charset="0"/>
-                <a:cs typeface="Segoe UI" pitchFamily="34" charset="0"/>
-              </a:rPr>
-              <a:t/>
             </a:r>
             <a:br>
               <a:rPr lang="en-US" sz="700" dirty="0">
@@ -37761,102 +37606,7 @@
                 <a:ea typeface="Segoe UI" pitchFamily="34" charset="0"/>
                 <a:cs typeface="Segoe UI" pitchFamily="34" charset="0"/>
               </a:rPr>
-              <a:t>part </a:t>
-            </a:r>
-            <a:r>
-              <a:rPr lang="en-US" sz="700" dirty="0">
-                <a:gradFill>
-                  <a:gsLst>
-                    <a:gs pos="0">
-                      <a:schemeClr val="tx1"/>
-                    </a:gs>
-                    <a:gs pos="100000">
-                      <a:schemeClr val="tx1"/>
-                    </a:gs>
-                  </a:gsLst>
-                  <a:lin ang="5400000" scaled="0"/>
-                </a:gradFill>
-                <a:latin typeface="Segoe UI" pitchFamily="34" charset="0"/>
-                <a:ea typeface="Segoe UI" pitchFamily="34" charset="0"/>
-                <a:cs typeface="Segoe UI" pitchFamily="34" charset="0"/>
-              </a:rPr>
-              <a:t>of </a:t>
-            </a:r>
-            <a:r>
-              <a:rPr lang="en-US" sz="700" dirty="0">
-                <a:gradFill>
-                  <a:gsLst>
-                    <a:gs pos="0">
-                      <a:schemeClr val="tx1"/>
-                    </a:gs>
-                    <a:gs pos="100000">
-                      <a:schemeClr val="tx1"/>
-                    </a:gs>
-                  </a:gsLst>
-                  <a:lin ang="5400000" scaled="0"/>
-                </a:gradFill>
-                <a:latin typeface="Segoe UI" pitchFamily="34" charset="0"/>
-                <a:ea typeface="Segoe UI" pitchFamily="34" charset="0"/>
-                <a:cs typeface="Segoe UI" pitchFamily="34" charset="0"/>
-              </a:rPr>
-              <a:t>Microsoft</a:t>
-            </a:r>
-            <a:r>
-              <a:rPr lang="en-US" sz="700" dirty="0">
-                <a:gradFill>
-                  <a:gsLst>
-                    <a:gs pos="0">
-                      <a:schemeClr val="tx1"/>
-                    </a:gs>
-                    <a:gs pos="100000">
-                      <a:schemeClr val="tx1"/>
-                    </a:gs>
-                  </a:gsLst>
-                  <a:lin ang="5400000" scaled="0"/>
-                </a:gradFill>
-                <a:latin typeface="Segoe UI" pitchFamily="34" charset="0"/>
-                <a:ea typeface="Segoe UI" pitchFamily="34" charset="0"/>
-                <a:cs typeface="Segoe UI" pitchFamily="34" charset="0"/>
-              </a:rPr>
-              <a:t>, and Microsoft cannot guarantee the accuracy of any information provided after the date of this presentation.  </a:t>
-            </a:r>
-            <a:r>
-              <a:rPr lang="en-US" sz="700" dirty="0">
-                <a:gradFill>
-                  <a:gsLst>
-                    <a:gs pos="0">
-                      <a:schemeClr val="tx1"/>
-                    </a:gs>
-                    <a:gs pos="100000">
-                      <a:schemeClr val="tx1"/>
-                    </a:gs>
-                  </a:gsLst>
-                  <a:lin ang="5400000" scaled="0"/>
-                </a:gradFill>
-                <a:latin typeface="Segoe UI" pitchFamily="34" charset="0"/>
-                <a:ea typeface="Segoe UI" pitchFamily="34" charset="0"/>
-                <a:cs typeface="Segoe UI" pitchFamily="34" charset="0"/>
-              </a:rPr>
-              <a:t>MICROSOFT </a:t>
-            </a:r>
-            <a:r>
-              <a:rPr lang="en-US" sz="700" dirty="0">
-                <a:gradFill>
-                  <a:gsLst>
-                    <a:gs pos="0">
-                      <a:schemeClr val="tx1"/>
-                    </a:gs>
-                    <a:gs pos="100000">
-                      <a:schemeClr val="tx1"/>
-                    </a:gs>
-                  </a:gsLst>
-                  <a:lin ang="5400000" scaled="0"/>
-                </a:gradFill>
-                <a:latin typeface="Segoe UI" pitchFamily="34" charset="0"/>
-                <a:ea typeface="Segoe UI" pitchFamily="34" charset="0"/>
-                <a:cs typeface="Segoe UI" pitchFamily="34" charset="0"/>
-              </a:rPr>
-              <a:t>MAKES NO WARRANTIES, EXPRESS, IMPLIED OR STATUTORY, AS TO THE INFORMATION IN THIS PRESENTATION.</a:t>
+              <a:t>part of Microsoft, and Microsoft cannot guarantee the accuracy of any information provided after the date of this presentation.  MICROSOFT MAKES NO WARRANTIES, EXPRESS, IMPLIED OR STATUTORY, AS TO THE INFORMATION IN THIS PRESENTATION.</a:t>
             </a:r>
           </a:p>
         </p:txBody>
@@ -37916,7 +37666,7 @@
   <p:timing>
     <p:tnLst>
       <p:par>
-        <p:cTn xmlns:p14="http://schemas.microsoft.com/office/powerpoint/2010/main" id="1" dur="indefinite" restart="never" nodeType="tmRoot"/>
+        <p:cTn id="1" dur="indefinite" restart="never" nodeType="tmRoot"/>
       </p:par>
     </p:tnLst>
   </p:timing>
@@ -38064,7 +37814,7 @@
   <p:timing>
     <p:tnLst>
       <p:par>
-        <p:cTn xmlns:p14="http://schemas.microsoft.com/office/powerpoint/2010/main" id="1" dur="indefinite" restart="never" nodeType="tmRoot"/>
+        <p:cTn id="1" dur="indefinite" restart="never" nodeType="tmRoot"/>
       </p:par>
     </p:tnLst>
   </p:timing>
@@ -38141,13 +37891,13 @@
   <p:clrMapOvr>
     <a:masterClrMapping/>
   </p:clrMapOvr>
-  <p:transition xmlns:p14="http://schemas.microsoft.com/office/powerpoint/2010/main">
+  <p:transition>
     <p:fade/>
   </p:transition>
   <p:timing>
     <p:tnLst>
       <p:par>
-        <p:cTn xmlns:p14="http://schemas.microsoft.com/office/powerpoint/2010/main" id="1" dur="indefinite" restart="never" nodeType="tmRoot"/>
+        <p:cTn id="1" dur="indefinite" restart="never" nodeType="tmRoot"/>
       </p:par>
     </p:tnLst>
   </p:timing>
@@ -38266,7 +38016,7 @@
   <p:clrMapOvr>
     <a:masterClrMapping/>
   </p:clrMapOvr>
-  <p:transition xmlns:p14="http://schemas.microsoft.com/office/powerpoint/2010/main">
+  <p:transition>
     <p:fade/>
   </p:transition>
 </p:sld>
@@ -38362,7 +38112,7 @@
   <p:clrMapOvr>
     <a:masterClrMapping/>
   </p:clrMapOvr>
-  <p:transition xmlns:p14="http://schemas.microsoft.com/office/powerpoint/2010/main">
+  <p:transition>
     <p:fade/>
   </p:transition>
 </p:sld>
@@ -38466,7 +38216,7 @@
   <p:clrMapOvr>
     <a:masterClrMapping/>
   </p:clrMapOvr>
-  <p:transition xmlns:p14="http://schemas.microsoft.com/office/powerpoint/2010/main">
+  <p:transition>
     <p:fade/>
   </p:transition>
 </p:sld>
@@ -38562,7 +38312,7 @@
   <p:clrMapOvr>
     <a:masterClrMapping/>
   </p:clrMapOvr>
-  <p:transition xmlns:p14="http://schemas.microsoft.com/office/powerpoint/2010/main">
+  <p:transition>
     <p:fade/>
   </p:transition>
 </p:sld>
@@ -38855,7 +38605,7 @@
   <a:extraClrSchemeLst/>
   <a:extLst>
     <a:ext uri="{05A4C25C-085E-4340-85A3-A5531E510DB2}">
-      <thm15:themeFamily xmlns:thm15="http://schemas.microsoft.com/office/thememl/2012/main" xmlns="" name="Office_Template_16x9_WHITE.potx" id="{BAC85760-2BE3-4369-8D6A-792FA239637A}" vid="{0B6ECECE-D832-4A6D-9382-4D4E764C03DC}"/>
+      <thm15:themeFamily xmlns:thm15="http://schemas.microsoft.com/office/thememl/2012/main" name="Office_Template_16x9_WHITE.potx" id="{BAC85760-2BE3-4369-8D6A-792FA239637A}" vid="{0B6ECECE-D832-4A6D-9382-4D4E764C03DC}"/>
     </a:ext>
   </a:extLst>
 </a:theme>
@@ -39148,7 +38898,7 @@
   <a:extraClrSchemeLst/>
   <a:extLst>
     <a:ext uri="{05A4C25C-085E-4340-85A3-A5531E510DB2}">
-      <thm15:themeFamily xmlns:thm15="http://schemas.microsoft.com/office/thememl/2012/main" xmlns="" name="Office_Template_16x9_WHITE.potx" id="{BAC85760-2BE3-4369-8D6A-792FA239637A}" vid="{A93E73D1-45C6-4FF9-A009-9C9E7F69F4DC}"/>
+      <thm15:themeFamily xmlns:thm15="http://schemas.microsoft.com/office/thememl/2012/main" name="Office_Template_16x9_WHITE.potx" id="{BAC85760-2BE3-4369-8D6A-792FA239637A}" vid="{A93E73D1-45C6-4FF9-A009-9C9E7F69F4DC}"/>
     </a:ext>
   </a:extLst>
 </a:theme>
@@ -39721,12 +39471,6 @@
 </file>
 
 <file path=customXml/item1.xml><?xml version="1.0" encoding="utf-8"?>
-<p:properties xmlns:p="http://schemas.microsoft.com/office/2006/metadata/properties" xmlns:xsi="http://www.w3.org/2001/XMLSchema-instance" xmlns:pc="http://schemas.microsoft.com/office/infopath/2007/PartnerControls">
-  <documentManagement/>
-</p:properties>
-</file>
-
-<file path=customXml/item2.xml><?xml version="1.0" encoding="utf-8"?>
 <ct:contentTypeSchema xmlns:ct="http://schemas.microsoft.com/office/2006/metadata/contentType" xmlns:ma="http://schemas.microsoft.com/office/2006/metadata/properties/metaAttributes" ct:_="" ma:_="" ma:contentTypeName="Document" ma:contentTypeID="0x010100A2E4C90AA7333249A7DBC8CC6F49919B" ma:contentTypeVersion="1" ma:contentTypeDescription="Create a new document." ma:contentTypeScope="" ma:versionID="e7b09f0f38d7ed30c7da14951e97abcc">
   <xsd:schema xmlns:xsd="http://www.w3.org/2001/XMLSchema" xmlns:xs="http://www.w3.org/2001/XMLSchema" xmlns:p="http://schemas.microsoft.com/office/2006/metadata/properties" xmlns:ns2="5fad15d0-477e-40da-a20d-40d4ca777cbd" targetNamespace="http://schemas.microsoft.com/office/2006/metadata/properties" ma:root="true" ma:fieldsID="0cee24db179c30c5ebec40b677cadf70" ns2:_="">
     <xsd:import namespace="5fad15d0-477e-40da-a20d-40d4ca777cbd"/>
@@ -39866,6 +39610,12 @@
 </ct:contentTypeSchema>
 </file>
 
+<file path=customXml/item2.xml><?xml version="1.0" encoding="utf-8"?>
+<p:properties xmlns:p="http://schemas.microsoft.com/office/2006/metadata/properties" xmlns:xsi="http://www.w3.org/2001/XMLSchema-instance" xmlns:pc="http://schemas.microsoft.com/office/infopath/2007/PartnerControls">
+  <documentManagement/>
+</p:properties>
+</file>
+
 <file path=customXml/item3.xml><?xml version="1.0" encoding="utf-8"?>
 <?mso-contentType ?>
 <FormTemplates xmlns="http://schemas.microsoft.com/sharepoint/v3/contenttype/forms">
@@ -39876,22 +39626,6 @@
 </file>
 
 <file path=customXml/itemProps1.xml><?xml version="1.0" encoding="utf-8"?>
-<ds:datastoreItem xmlns:ds="http://schemas.openxmlformats.org/officeDocument/2006/customXml" ds:itemID="{DA593625-DB14-4FB0-B5A9-3269FA9C120B}">
-  <ds:schemaRefs>
-    <ds:schemaRef ds:uri="http://schemas.microsoft.com/office/2006/documentManagement/types"/>
-    <ds:schemaRef ds:uri="http://purl.org/dc/elements/1.1/"/>
-    <ds:schemaRef ds:uri="http://schemas.microsoft.com/office/2006/metadata/properties"/>
-    <ds:schemaRef ds:uri="5fad15d0-477e-40da-a20d-40d4ca777cbd"/>
-    <ds:schemaRef ds:uri="http://www.w3.org/XML/1998/namespace"/>
-    <ds:schemaRef ds:uri="http://schemas.microsoft.com/office/infopath/2007/PartnerControls"/>
-    <ds:schemaRef ds:uri="http://purl.org/dc/dcmitype/"/>
-    <ds:schemaRef ds:uri="http://schemas.openxmlformats.org/package/2006/metadata/core-properties"/>
-    <ds:schemaRef ds:uri="http://purl.org/dc/terms/"/>
-  </ds:schemaRefs>
-</ds:datastoreItem>
-</file>
-
-<file path=customXml/itemProps2.xml><?xml version="1.0" encoding="utf-8"?>
 <ds:datastoreItem xmlns:ds="http://schemas.openxmlformats.org/officeDocument/2006/customXml" ds:itemID="{F17DCE38-6787-497B-B958-75817420EB1E}">
   <ds:schemaRefs>
     <ds:schemaRef ds:uri="http://schemas.microsoft.com/office/2006/metadata/contentType"/>
@@ -39909,6 +39643,22 @@
 </ds:datastoreItem>
 </file>
 
+<file path=customXml/itemProps2.xml><?xml version="1.0" encoding="utf-8"?>
+<ds:datastoreItem xmlns:ds="http://schemas.openxmlformats.org/officeDocument/2006/customXml" ds:itemID="{DA593625-DB14-4FB0-B5A9-3269FA9C120B}">
+  <ds:schemaRefs>
+    <ds:schemaRef ds:uri="http://schemas.microsoft.com/office/2006/documentManagement/types"/>
+    <ds:schemaRef ds:uri="http://purl.org/dc/elements/1.1/"/>
+    <ds:schemaRef ds:uri="http://schemas.microsoft.com/office/2006/metadata/properties"/>
+    <ds:schemaRef ds:uri="5fad15d0-477e-40da-a20d-40d4ca777cbd"/>
+    <ds:schemaRef ds:uri="http://www.w3.org/XML/1998/namespace"/>
+    <ds:schemaRef ds:uri="http://schemas.microsoft.com/office/infopath/2007/PartnerControls"/>
+    <ds:schemaRef ds:uri="http://purl.org/dc/dcmitype/"/>
+    <ds:schemaRef ds:uri="http://schemas.openxmlformats.org/package/2006/metadata/core-properties"/>
+    <ds:schemaRef ds:uri="http://purl.org/dc/terms/"/>
+  </ds:schemaRefs>
+</ds:datastoreItem>
+</file>
+
 <file path=customXml/itemProps3.xml><?xml version="1.0" encoding="utf-8"?>
 <ds:datastoreItem xmlns:ds="http://schemas.openxmlformats.org/officeDocument/2006/customXml" ds:itemID="{E1E0CE18-CA03-4891-9CD8-3448778E3D53}">
   <ds:schemaRefs>

--- a/01.Introduction to the Day/Introduction to the Day.pptx
+++ b/01.Introduction to the Day/Introduction to the Day.pptx
@@ -402,7 +402,7 @@
           <a:p>
             <a:fld id="{DE219B1A-AE41-483B-A766-69B9363DDA6A}" type="datetimeFigureOut">
               <a:rPr lang="en-US" smtClean="0"/>
-              <a:t>10/24/2014</a:t>
+              <a:t>10/27/2014</a:t>
             </a:fld>
             <a:endParaRPr lang="en-US"/>
           </a:p>
@@ -684,7 +684,7 @@
           <a:p>
             <a:fld id="{D51B1278-D92B-4AF3-A9C1-71DD298190CE}" type="datetimeFigureOut">
               <a:rPr lang="en-US" smtClean="0"/>
-              <a:t>10/24/2014</a:t>
+              <a:t>10/27/2014</a:t>
             </a:fld>
             <a:endParaRPr lang="en-US"/>
           </a:p>
@@ -1398,7 +1398,7 @@
                 </a:solidFill>
               </a:rPr>
               <a:pPr/>
-              <a:t>10/24/2014</a:t>
+              <a:t>10/27/2014</a:t>
             </a:fld>
             <a:endParaRPr lang="en-US">
               <a:solidFill>
@@ -1630,7 +1630,7 @@
           <a:p>
             <a:fld id="{D31E4894-7650-4412-ACB8-29465F440D88}" type="datetime1">
               <a:rPr lang="en-US" smtClean="0"/>
-              <a:t>10/24/2014</a:t>
+              <a:t>10/27/2014</a:t>
             </a:fld>
             <a:endParaRPr lang="en-US" dirty="0"/>
           </a:p>
@@ -1866,7 +1866,7 @@
                 </a:solidFill>
               </a:rPr>
               <a:pPr/>
-              <a:t>10/24/2014</a:t>
+              <a:t>10/27/2014</a:t>
             </a:fld>
             <a:endParaRPr lang="en-US">
               <a:solidFill>
@@ -2098,7 +2098,7 @@
           <a:p>
             <a:fld id="{13E92F52-F2C6-4745-BBDE-E5EE0DA70D4E}" type="datetime1">
               <a:rPr lang="en-US" smtClean="0"/>
-              <a:t>10/24/2014</a:t>
+              <a:t>10/27/2014</a:t>
             </a:fld>
             <a:endParaRPr lang="en-US" dirty="0"/>
           </a:p>
@@ -2240,7 +2240,7 @@
           <a:p>
             <a:fld id="{D51B1278-D92B-4AF3-A9C1-71DD298190CE}" type="datetimeFigureOut">
               <a:rPr lang="en-US" smtClean="0"/>
-              <a:t>10/24/2014</a:t>
+              <a:t>10/27/2014</a:t>
             </a:fld>
             <a:endParaRPr lang="en-US"/>
           </a:p>
@@ -2462,7 +2462,7 @@
           <a:p>
             <a:fld id="{D51B1278-D92B-4AF3-A9C1-71DD298190CE}" type="datetimeFigureOut">
               <a:rPr lang="en-US" smtClean="0"/>
-              <a:t>10/24/2014</a:t>
+              <a:t>10/27/2014</a:t>
             </a:fld>
             <a:endParaRPr lang="en-US"/>
           </a:p>
@@ -2699,7 +2699,7 @@
           <a:p>
             <a:fld id="{DBC13BCB-57C4-454F-8C02-26BDCE1A7007}" type="datetime1">
               <a:rPr lang="en-US" smtClean="0"/>
-              <a:t>10/24/2014</a:t>
+              <a:t>10/27/2014</a:t>
             </a:fld>
             <a:endParaRPr lang="en-US"/>
           </a:p>
@@ -2939,7 +2939,7 @@
           <a:p>
             <a:fld id="{4158D9CF-52ED-4C2B-9870-3BEFB23E0EBC}" type="datetime1">
               <a:rPr lang="en-US" smtClean="0"/>
-              <a:t>10/24/2014</a:t>
+              <a:t>10/27/2014</a:t>
             </a:fld>
             <a:endParaRPr lang="en-US" dirty="0"/>
           </a:p>
@@ -3109,7 +3109,7 @@
           <a:p>
             <a:fld id="{D51B1278-D92B-4AF3-A9C1-71DD298190CE}" type="datetimeFigureOut">
               <a:rPr lang="en-US" smtClean="0"/>
-              <a:t>10/24/2014</a:t>
+              <a:t>10/27/2014</a:t>
             </a:fld>
             <a:endParaRPr lang="en-US"/>
           </a:p>
@@ -3363,7 +3363,7 @@
           <a:p>
             <a:fld id="{D51B1278-D92B-4AF3-A9C1-71DD298190CE}" type="datetimeFigureOut">
               <a:rPr lang="en-US" smtClean="0"/>
-              <a:t>10/24/2014</a:t>
+              <a:t>10/27/2014</a:t>
             </a:fld>
             <a:endParaRPr lang="en-US"/>
           </a:p>
@@ -3628,7 +3628,7 @@
           <a:p>
             <a:fld id="{B079C3B8-7366-4A44-A34B-3977080C19E7}" type="datetime1">
               <a:rPr lang="en-US" smtClean="0"/>
-              <a:t>10/24/2014</a:t>
+              <a:t>10/27/2014</a:t>
             </a:fld>
             <a:endParaRPr lang="en-US" dirty="0"/>
           </a:p>
@@ -3738,33 +3738,6 @@
           <a:bodyPr/>
           <a:lstStyle/>
           <a:p>
-            <a:pPr marL="0" marR="0" indent="0" algn="l" defTabSz="914185" rtl="0" eaLnBrk="1" fontAlgn="auto" latinLnBrk="0" hangingPunct="1">
-              <a:lnSpc>
-                <a:spcPct val="90000"/>
-              </a:lnSpc>
-              <a:spcBef>
-                <a:spcPts val="0"/>
-              </a:spcBef>
-              <a:spcAft>
-                <a:spcPts val="333"/>
-              </a:spcAft>
-              <a:buClrTx/>
-              <a:buSzTx/>
-              <a:buFontTx/>
-              <a:buNone/>
-              <a:tabLst/>
-              <a:defRPr/>
-            </a:pPr>
-            <a:r>
-              <a:rPr lang="en-US" baseline="0" dirty="0" smtClean="0"/>
-              <a:t>See the demo script /demos/script-module04.md for instructions</a:t>
-            </a:r>
-            <a:endParaRPr lang="en-US" dirty="0" smtClean="0"/>
-          </a:p>
-          <a:p>
-            <a:endParaRPr lang="en-US" dirty="0" smtClean="0"/>
-          </a:p>
-          <a:p>
             <a:r>
               <a:rPr lang="en-US" dirty="0" smtClean="0"/>
               <a:t>This demo shows the final solution built in module 4. </a:t>
@@ -3803,7 +3776,7 @@
           <a:p>
             <a:fld id="{D51B1278-D92B-4AF3-A9C1-71DD298190CE}" type="datetimeFigureOut">
               <a:rPr lang="en-US" smtClean="0"/>
-              <a:t>10/24/2014</a:t>
+              <a:t>10/27/2014</a:t>
             </a:fld>
             <a:endParaRPr lang="en-US"/>
           </a:p>
@@ -4053,7 +4026,7 @@
           <a:p>
             <a:fld id="{D51B1278-D92B-4AF3-A9C1-71DD298190CE}" type="datetimeFigureOut">
               <a:rPr lang="en-US" smtClean="0"/>
-              <a:t>10/24/2014</a:t>
+              <a:t>10/27/2014</a:t>
             </a:fld>
             <a:endParaRPr lang="en-US"/>
           </a:p>
@@ -4318,7 +4291,7 @@
           <a:p>
             <a:fld id="{B079C3B8-7366-4A44-A34B-3977080C19E7}" type="datetime1">
               <a:rPr lang="en-US" smtClean="0"/>
-              <a:t>10/24/2014</a:t>
+              <a:t>10/27/2014</a:t>
             </a:fld>
             <a:endParaRPr lang="en-US" dirty="0"/>
           </a:p>
@@ -4565,7 +4538,7 @@
           <a:p>
             <a:fld id="{0BB6559B-C68D-49B4-97AE-9BB74C417927}" type="datetime1">
               <a:rPr lang="en-US" smtClean="0"/>
-              <a:t>10/24/2014</a:t>
+              <a:t>10/27/2014</a:t>
             </a:fld>
             <a:endParaRPr lang="en-US"/>
           </a:p>
@@ -4799,7 +4772,7 @@
           <a:p>
             <a:fld id="{3DE98D88-4B2E-4AAB-9ECA-CFD46E198059}" type="datetime1">
               <a:rPr lang="en-US" smtClean="0"/>
-              <a:t>10/24/2014</a:t>
+              <a:t>10/27/2014</a:t>
             </a:fld>
             <a:endParaRPr lang="en-US" dirty="0"/>
           </a:p>
@@ -5125,7 +5098,7 @@
           <a:p>
             <a:fld id="{D51B1278-D92B-4AF3-A9C1-71DD298190CE}" type="datetimeFigureOut">
               <a:rPr lang="en-US" smtClean="0"/>
-              <a:t>10/24/2014</a:t>
+              <a:t>10/27/2014</a:t>
             </a:fld>
             <a:endParaRPr lang="en-US"/>
           </a:p>
@@ -5763,7 +5736,7 @@
                 </a:solidFill>
               </a:rPr>
               <a:pPr/>
-              <a:t>10/24/2014</a:t>
+              <a:t>10/27/2014</a:t>
             </a:fld>
             <a:endParaRPr lang="en-US">
               <a:solidFill>
@@ -6004,7 +5977,7 @@
           <a:p>
             <a:fld id="{3B7A2A12-E0E2-4D2C-A6ED-C38FD9033759}" type="datetime1">
               <a:rPr lang="en-US" smtClean="0"/>
-              <a:t>10/24/2014</a:t>
+              <a:t>10/27/2014</a:t>
             </a:fld>
             <a:endParaRPr lang="en-US" dirty="0"/>
           </a:p>
@@ -17844,7 +17817,7 @@
           </a:effectLst>
           <a:extLst>
             <a:ext uri="{909E8E84-426E-40dd-AFC4-6F175D3DCCD1}">
-              <a14:hiddenFill xmlns:a14="http://schemas.microsoft.com/office/drawing/2010/main" xmlns="">
+              <a14:hiddenFill xmlns="" xmlns:a14="http://schemas.microsoft.com/office/drawing/2010/main">
                 <a:solidFill>
                   <a:srgbClr val="FFFFFF"/>
                 </a:solidFill>
@@ -17947,7 +17920,7 @@
           <a:noFill/>
           <a:extLst>
             <a:ext uri="{909E8E84-426E-40dd-AFC4-6F175D3DCCD1}">
-              <a14:hiddenFill xmlns:a14="http://schemas.microsoft.com/office/drawing/2010/main" xmlns="">
+              <a14:hiddenFill xmlns="" xmlns:a14="http://schemas.microsoft.com/office/drawing/2010/main">
                 <a:solidFill>
                   <a:srgbClr val="FFFFFF"/>
                 </a:solidFill>
@@ -22115,7 +22088,7 @@
           </a:effectLst>
           <a:extLst>
             <a:ext uri="{909E8E84-426E-40dd-AFC4-6F175D3DCCD1}">
-              <a14:hiddenFill xmlns:a14="http://schemas.microsoft.com/office/drawing/2010/main" xmlns="">
+              <a14:hiddenFill xmlns="" xmlns:a14="http://schemas.microsoft.com/office/drawing/2010/main">
                 <a:solidFill>
                   <a:schemeClr val="accent1"/>
                 </a:solidFill>
@@ -24365,7 +24338,7 @@
                 <a:gridCol w="11225057">
                   <a:extLst>
                     <a:ext uri="{9D8B030D-6E8A-4147-A177-3AD203B41FA5}">
-                      <a16:colId xmlns:a16="http://schemas.microsoft.com/office/drawing/2014/main" xmlns="" val="1253488153"/>
+                      <a16:colId xmlns="" xmlns:a16="http://schemas.microsoft.com/office/drawing/2014/main" val="1253488153"/>
                     </a:ext>
                   </a:extLst>
                 </a:gridCol>
@@ -24387,7 +24360,7 @@
                 </a:tc>
                 <a:extLst>
                   <a:ext uri="{0D108BD9-81ED-4DB2-BD59-A6C34878D82A}">
-                    <a16:rowId xmlns:a16="http://schemas.microsoft.com/office/drawing/2014/main" xmlns="" val="829859176"/>
+                    <a16:rowId xmlns="" xmlns:a16="http://schemas.microsoft.com/office/drawing/2014/main" val="829859176"/>
                   </a:ext>
                 </a:extLst>
               </a:tr>
@@ -24407,7 +24380,7 @@
                 </a:tc>
                 <a:extLst>
                   <a:ext uri="{0D108BD9-81ED-4DB2-BD59-A6C34878D82A}">
-                    <a16:rowId xmlns:a16="http://schemas.microsoft.com/office/drawing/2014/main" xmlns="" val="1946132611"/>
+                    <a16:rowId xmlns="" xmlns:a16="http://schemas.microsoft.com/office/drawing/2014/main" val="1946132611"/>
                   </a:ext>
                 </a:extLst>
               </a:tr>
@@ -24444,7 +24417,7 @@
                 </a:tc>
                 <a:extLst>
                   <a:ext uri="{0D108BD9-81ED-4DB2-BD59-A6C34878D82A}">
-                    <a16:rowId xmlns:a16="http://schemas.microsoft.com/office/drawing/2014/main" xmlns="" val="3204002662"/>
+                    <a16:rowId xmlns="" xmlns:a16="http://schemas.microsoft.com/office/drawing/2014/main" val="3204002662"/>
                   </a:ext>
                 </a:extLst>
               </a:tr>
@@ -24481,7 +24454,7 @@
                 </a:tc>
                 <a:extLst>
                   <a:ext uri="{0D108BD9-81ED-4DB2-BD59-A6C34878D82A}">
-                    <a16:rowId xmlns:a16="http://schemas.microsoft.com/office/drawing/2014/main" xmlns="" val="4266278162"/>
+                    <a16:rowId xmlns="" xmlns:a16="http://schemas.microsoft.com/office/drawing/2014/main" val="4266278162"/>
                   </a:ext>
                 </a:extLst>
               </a:tr>
@@ -24514,17 +24487,8 @@
                       </a:r>
                       <a:r>
                         <a:rPr lang="en-US" sz="2400" dirty="0" smtClean="0"/>
-                        <a:t>Hook into Office </a:t>
+                        <a:t>Hook into Office 365 APIs</a:t>
                       </a:r>
-                      <a:r>
-                        <a:rPr lang="en-US" sz="2400" smtClean="0"/>
-                        <a:t>365 </a:t>
-                      </a:r>
-                      <a:r>
-                        <a:rPr lang="en-US" sz="2400" smtClean="0"/>
-                        <a:t>APIs</a:t>
-                      </a:r>
-                      <a:endParaRPr lang="en-US" sz="2400" dirty="0" smtClean="0"/>
                     </a:p>
                   </a:txBody>
                   <a:tcPr marL="91403" marR="91403" marT="45701" marB="45701" anchor="ctr"/>
@@ -28252,7 +28216,7 @@
               </a:ln>
               <a:extLst>
                 <a:ext uri="{91240B29-F687-4f45-9708-019B960494DF}">
-                  <a14:hiddenLine xmlns:a14="http://schemas.microsoft.com/office/drawing/2010/main" xmlns="" w="9525">
+                  <a14:hiddenLine xmlns="" xmlns:a14="http://schemas.microsoft.com/office/drawing/2010/main" w="9525">
                     <a:solidFill>
                       <a:srgbClr val="000000"/>
                     </a:solidFill>
@@ -28353,7 +28317,7 @@
               </a:ln>
               <a:extLst>
                 <a:ext uri="{91240B29-F687-4f45-9708-019B960494DF}">
-                  <a14:hiddenLine xmlns:a14="http://schemas.microsoft.com/office/drawing/2010/main" xmlns="" w="9525">
+                  <a14:hiddenLine xmlns="" xmlns:a14="http://schemas.microsoft.com/office/drawing/2010/main" w="9525">
                     <a:solidFill>
                       <a:srgbClr val="000000"/>
                     </a:solidFill>
@@ -35153,7 +35117,7 @@
               </a:ln>
               <a:extLst>
                 <a:ext uri="{91240B29-F687-4f45-9708-019B960494DF}">
-                  <a14:hiddenLine xmlns:a14="http://schemas.microsoft.com/office/drawing/2010/main" xmlns="" w="9525">
+                  <a14:hiddenLine xmlns="" xmlns:a14="http://schemas.microsoft.com/office/drawing/2010/main" w="9525">
                     <a:solidFill>
                       <a:srgbClr val="000000"/>
                     </a:solidFill>
@@ -35311,7 +35275,7 @@
               </a:ln>
               <a:extLst>
                 <a:ext uri="{91240B29-F687-4f45-9708-019B960494DF}">
-                  <a14:hiddenLine xmlns:a14="http://schemas.microsoft.com/office/drawing/2010/main" xmlns="" w="9525">
+                  <a14:hiddenLine xmlns="" xmlns:a14="http://schemas.microsoft.com/office/drawing/2010/main" w="9525">
                     <a:solidFill>
                       <a:srgbClr val="000000"/>
                     </a:solidFill>
@@ -35371,7 +35335,7 @@
               </a:ln>
               <a:extLst>
                 <a:ext uri="{91240B29-F687-4f45-9708-019B960494DF}">
-                  <a14:hiddenLine xmlns:a14="http://schemas.microsoft.com/office/drawing/2010/main" xmlns="" w="9525">
+                  <a14:hiddenLine xmlns="" xmlns:a14="http://schemas.microsoft.com/office/drawing/2010/main" w="9525">
                     <a:solidFill>
                       <a:srgbClr val="000000"/>
                     </a:solidFill>
@@ -35548,7 +35512,7 @@
               </a:ln>
               <a:extLst>
                 <a:ext uri="{91240B29-F687-4f45-9708-019B960494DF}">
-                  <a14:hiddenLine xmlns:a14="http://schemas.microsoft.com/office/drawing/2010/main" xmlns="" w="9525">
+                  <a14:hiddenLine xmlns="" xmlns:a14="http://schemas.microsoft.com/office/drawing/2010/main" w="9525">
                     <a:solidFill>
                       <a:srgbClr val="000000"/>
                     </a:solidFill>
@@ -37086,7 +37050,11 @@
           <a:p>
             <a:r>
               <a:rPr lang="en-US" sz="3100" b="0" dirty="0" smtClean="0"/>
-              <a:t>Module 4 – Hook into Office 365, SharePoint-Hosted Apps &amp; SPAs</a:t>
+              <a:t>Module 4 – Hook into Office </a:t>
+            </a:r>
+            <a:r>
+              <a:rPr lang="en-US" sz="3100" b="0" dirty="0" smtClean="0"/>
+              <a:t>365 APIs</a:t>
             </a:r>
             <a:endParaRPr lang="en-US" sz="3100" b="0" dirty="0"/>
           </a:p>
@@ -38152,8 +38120,13 @@
           <a:p>
             <a:r>
               <a:rPr lang="en-US" sz="4800" dirty="0"/>
-              <a:t>Module 4: Hook into Office 365 and SharePoint APIs with SPAs</a:t>
+              <a:t>Module 4: Hook into Office 365 </a:t>
             </a:r>
+            <a:r>
+              <a:rPr lang="en-US" sz="4800" dirty="0" smtClean="0"/>
+              <a:t>APIs</a:t>
+            </a:r>
+            <a:endParaRPr lang="en-US" sz="4800" dirty="0"/>
           </a:p>
         </p:txBody>
       </p:sp>
@@ -38177,8 +38150,9 @@
           <a:p>
             <a:r>
               <a:rPr lang="en-US" dirty="0" smtClean="0"/>
-              <a:t>Understand creating SharePoint-hosted apps</a:t>
+              <a:t>Understand Office 365 APIs</a:t>
             </a:r>
+            <a:endParaRPr lang="en-US" dirty="0" smtClean="0"/>
           </a:p>
           <a:p>
             <a:endParaRPr lang="en-US" dirty="0"/>
@@ -38186,21 +38160,11 @@
           <a:p>
             <a:r>
               <a:rPr lang="en-US" dirty="0" smtClean="0"/>
-              <a:t>Understand how to create single page applications (SPA) using </a:t>
+              <a:t>Understand how to create </a:t>
             </a:r>
             <a:r>
-              <a:rPr lang="en-US" dirty="0" err="1" smtClean="0"/>
-              <a:t>AngularJS</a:t>
-            </a:r>
-            <a:endParaRPr lang="en-US" dirty="0" smtClean="0"/>
-          </a:p>
-          <a:p>
-            <a:endParaRPr lang="en-US" dirty="0"/>
-          </a:p>
-          <a:p>
-            <a:r>
               <a:rPr lang="en-US" dirty="0" smtClean="0"/>
-              <a:t>Understand why and how to protect the OAuth2 access tokens with an intermediary</a:t>
+              <a:t>an ASP.NET MVC5 application that uses the Office 365 APIs</a:t>
             </a:r>
             <a:endParaRPr lang="en-US" dirty="0"/>
           </a:p>
@@ -39471,6 +39435,12 @@
 </file>
 
 <file path=customXml/item1.xml><?xml version="1.0" encoding="utf-8"?>
+<p:properties xmlns:p="http://schemas.microsoft.com/office/2006/metadata/properties" xmlns:xsi="http://www.w3.org/2001/XMLSchema-instance" xmlns:pc="http://schemas.microsoft.com/office/infopath/2007/PartnerControls">
+  <documentManagement/>
+</p:properties>
+</file>
+
+<file path=customXml/item2.xml><?xml version="1.0" encoding="utf-8"?>
 <ct:contentTypeSchema xmlns:ct="http://schemas.microsoft.com/office/2006/metadata/contentType" xmlns:ma="http://schemas.microsoft.com/office/2006/metadata/properties/metaAttributes" ct:_="" ma:_="" ma:contentTypeName="Document" ma:contentTypeID="0x010100A2E4C90AA7333249A7DBC8CC6F49919B" ma:contentTypeVersion="1" ma:contentTypeDescription="Create a new document." ma:contentTypeScope="" ma:versionID="e7b09f0f38d7ed30c7da14951e97abcc">
   <xsd:schema xmlns:xsd="http://www.w3.org/2001/XMLSchema" xmlns:xs="http://www.w3.org/2001/XMLSchema" xmlns:p="http://schemas.microsoft.com/office/2006/metadata/properties" xmlns:ns2="5fad15d0-477e-40da-a20d-40d4ca777cbd" targetNamespace="http://schemas.microsoft.com/office/2006/metadata/properties" ma:root="true" ma:fieldsID="0cee24db179c30c5ebec40b677cadf70" ns2:_="">
     <xsd:import namespace="5fad15d0-477e-40da-a20d-40d4ca777cbd"/>
@@ -39610,12 +39580,6 @@
 </ct:contentTypeSchema>
 </file>
 
-<file path=customXml/item2.xml><?xml version="1.0" encoding="utf-8"?>
-<p:properties xmlns:p="http://schemas.microsoft.com/office/2006/metadata/properties" xmlns:xsi="http://www.w3.org/2001/XMLSchema-instance" xmlns:pc="http://schemas.microsoft.com/office/infopath/2007/PartnerControls">
-  <documentManagement/>
-</p:properties>
-</file>
-
 <file path=customXml/item3.xml><?xml version="1.0" encoding="utf-8"?>
 <?mso-contentType ?>
 <FormTemplates xmlns="http://schemas.microsoft.com/sharepoint/v3/contenttype/forms">
@@ -39626,6 +39590,22 @@
 </file>
 
 <file path=customXml/itemProps1.xml><?xml version="1.0" encoding="utf-8"?>
+<ds:datastoreItem xmlns:ds="http://schemas.openxmlformats.org/officeDocument/2006/customXml" ds:itemID="{DA593625-DB14-4FB0-B5A9-3269FA9C120B}">
+  <ds:schemaRefs>
+    <ds:schemaRef ds:uri="http://purl.org/dc/elements/1.1/"/>
+    <ds:schemaRef ds:uri="http://schemas.microsoft.com/office/infopath/2007/PartnerControls"/>
+    <ds:schemaRef ds:uri="5fad15d0-477e-40da-a20d-40d4ca777cbd"/>
+    <ds:schemaRef ds:uri="http://purl.org/dc/terms/"/>
+    <ds:schemaRef ds:uri="http://schemas.microsoft.com/office/2006/metadata/properties"/>
+    <ds:schemaRef ds:uri="http://schemas.microsoft.com/office/2006/documentManagement/types"/>
+    <ds:schemaRef ds:uri="http://schemas.openxmlformats.org/package/2006/metadata/core-properties"/>
+    <ds:schemaRef ds:uri="http://purl.org/dc/dcmitype/"/>
+    <ds:schemaRef ds:uri="http://www.w3.org/XML/1998/namespace"/>
+  </ds:schemaRefs>
+</ds:datastoreItem>
+</file>
+
+<file path=customXml/itemProps2.xml><?xml version="1.0" encoding="utf-8"?>
 <ds:datastoreItem xmlns:ds="http://schemas.openxmlformats.org/officeDocument/2006/customXml" ds:itemID="{F17DCE38-6787-497B-B958-75817420EB1E}">
   <ds:schemaRefs>
     <ds:schemaRef ds:uri="http://schemas.microsoft.com/office/2006/metadata/contentType"/>
@@ -39643,22 +39623,6 @@
 </ds:datastoreItem>
 </file>
 
-<file path=customXml/itemProps2.xml><?xml version="1.0" encoding="utf-8"?>
-<ds:datastoreItem xmlns:ds="http://schemas.openxmlformats.org/officeDocument/2006/customXml" ds:itemID="{DA593625-DB14-4FB0-B5A9-3269FA9C120B}">
-  <ds:schemaRefs>
-    <ds:schemaRef ds:uri="http://schemas.microsoft.com/office/2006/documentManagement/types"/>
-    <ds:schemaRef ds:uri="http://purl.org/dc/elements/1.1/"/>
-    <ds:schemaRef ds:uri="http://schemas.microsoft.com/office/2006/metadata/properties"/>
-    <ds:schemaRef ds:uri="5fad15d0-477e-40da-a20d-40d4ca777cbd"/>
-    <ds:schemaRef ds:uri="http://www.w3.org/XML/1998/namespace"/>
-    <ds:schemaRef ds:uri="http://schemas.microsoft.com/office/infopath/2007/PartnerControls"/>
-    <ds:schemaRef ds:uri="http://purl.org/dc/dcmitype/"/>
-    <ds:schemaRef ds:uri="http://schemas.openxmlformats.org/package/2006/metadata/core-properties"/>
-    <ds:schemaRef ds:uri="http://purl.org/dc/terms/"/>
-  </ds:schemaRefs>
-</ds:datastoreItem>
-</file>
-
 <file path=customXml/itemProps3.xml><?xml version="1.0" encoding="utf-8"?>
 <ds:datastoreItem xmlns:ds="http://schemas.openxmlformats.org/officeDocument/2006/customXml" ds:itemID="{E1E0CE18-CA03-4891-9CD8-3448778E3D53}">
   <ds:schemaRefs>
